--- a/Doc/프로젝트생성.pptx
+++ b/Doc/프로젝트생성.pptx
@@ -7,10 +7,19 @@
   <p:sldIdLst>
     <p:sldId id="268" r:id="rId2"/>
     <p:sldId id="269" r:id="rId3"/>
-    <p:sldId id="257" r:id="rId4"/>
-    <p:sldId id="270" r:id="rId5"/>
-    <p:sldId id="271" r:id="rId6"/>
-    <p:sldId id="272" r:id="rId7"/>
+    <p:sldId id="273" r:id="rId4"/>
+    <p:sldId id="275" r:id="rId5"/>
+    <p:sldId id="257" r:id="rId6"/>
+    <p:sldId id="270" r:id="rId7"/>
+    <p:sldId id="271" r:id="rId8"/>
+    <p:sldId id="272" r:id="rId9"/>
+    <p:sldId id="276" r:id="rId10"/>
+    <p:sldId id="277" r:id="rId11"/>
+    <p:sldId id="278" r:id="rId12"/>
+    <p:sldId id="282" r:id="rId13"/>
+    <p:sldId id="279" r:id="rId14"/>
+    <p:sldId id="280" r:id="rId15"/>
+    <p:sldId id="283" r:id="rId16"/>
   </p:sldIdLst>
   <p:sldSz cx="12192000" cy="6858000"/>
   <p:notesSz cx="6858000" cy="9144000"/>
@@ -395,7 +404,7 @@
           <a:p>
             <a:fld id="{8745AD7C-AECC-4943-AD1F-690FAB9034AD}" type="datetimeFigureOut">
               <a:rPr lang="ko-KR" altLang="en-US" smtClean="0"/>
-              <a:t>2023-05-15</a:t>
+              <a:t>2023-05-16</a:t>
             </a:fld>
             <a:endParaRPr lang="ko-KR" altLang="en-US"/>
           </a:p>
@@ -575,7 +584,7 @@
           <a:p>
             <a:fld id="{8745AD7C-AECC-4943-AD1F-690FAB9034AD}" type="datetimeFigureOut">
               <a:rPr lang="ko-KR" altLang="en-US" smtClean="0"/>
-              <a:t>2023-05-15</a:t>
+              <a:t>2023-05-16</a:t>
             </a:fld>
             <a:endParaRPr lang="ko-KR" altLang="en-US"/>
           </a:p>
@@ -775,7 +784,7 @@
           <a:p>
             <a:fld id="{8745AD7C-AECC-4943-AD1F-690FAB9034AD}" type="datetimeFigureOut">
               <a:rPr lang="ko-KR" altLang="en-US" smtClean="0"/>
-              <a:t>2023-05-15</a:t>
+              <a:t>2023-05-16</a:t>
             </a:fld>
             <a:endParaRPr lang="ko-KR" altLang="en-US"/>
           </a:p>
@@ -1021,7 +1030,7 @@
           <a:p>
             <a:fld id="{8745AD7C-AECC-4943-AD1F-690FAB9034AD}" type="datetimeFigureOut">
               <a:rPr lang="ko-KR" altLang="en-US" smtClean="0"/>
-              <a:t>2023-05-15</a:t>
+              <a:t>2023-05-16</a:t>
             </a:fld>
             <a:endParaRPr lang="ko-KR" altLang="en-US"/>
           </a:p>
@@ -1253,7 +1262,7 @@
           <a:p>
             <a:fld id="{8745AD7C-AECC-4943-AD1F-690FAB9034AD}" type="datetimeFigureOut">
               <a:rPr lang="ko-KR" altLang="en-US" smtClean="0"/>
-              <a:t>2023-05-15</a:t>
+              <a:t>2023-05-16</a:t>
             </a:fld>
             <a:endParaRPr lang="ko-KR" altLang="en-US"/>
           </a:p>
@@ -1620,7 +1629,7 @@
           <a:p>
             <a:fld id="{8745AD7C-AECC-4943-AD1F-690FAB9034AD}" type="datetimeFigureOut">
               <a:rPr lang="ko-KR" altLang="en-US" smtClean="0"/>
-              <a:t>2023-05-15</a:t>
+              <a:t>2023-05-16</a:t>
             </a:fld>
             <a:endParaRPr lang="ko-KR" altLang="en-US"/>
           </a:p>
@@ -1738,7 +1747,7 @@
           <a:p>
             <a:fld id="{8745AD7C-AECC-4943-AD1F-690FAB9034AD}" type="datetimeFigureOut">
               <a:rPr lang="ko-KR" altLang="en-US" smtClean="0"/>
-              <a:t>2023-05-15</a:t>
+              <a:t>2023-05-16</a:t>
             </a:fld>
             <a:endParaRPr lang="ko-KR" altLang="en-US"/>
           </a:p>
@@ -1833,7 +1842,7 @@
           <a:p>
             <a:fld id="{8745AD7C-AECC-4943-AD1F-690FAB9034AD}" type="datetimeFigureOut">
               <a:rPr lang="ko-KR" altLang="en-US" smtClean="0"/>
-              <a:t>2023-05-15</a:t>
+              <a:t>2023-05-16</a:t>
             </a:fld>
             <a:endParaRPr lang="ko-KR" altLang="en-US"/>
           </a:p>
@@ -2110,7 +2119,7 @@
           <a:p>
             <a:fld id="{8745AD7C-AECC-4943-AD1F-690FAB9034AD}" type="datetimeFigureOut">
               <a:rPr lang="ko-KR" altLang="en-US" smtClean="0"/>
-              <a:t>2023-05-15</a:t>
+              <a:t>2023-05-16</a:t>
             </a:fld>
             <a:endParaRPr lang="ko-KR" altLang="en-US"/>
           </a:p>
@@ -2363,7 +2372,7 @@
           <a:p>
             <a:fld id="{8745AD7C-AECC-4943-AD1F-690FAB9034AD}" type="datetimeFigureOut">
               <a:rPr lang="ko-KR" altLang="en-US" smtClean="0"/>
-              <a:t>2023-05-15</a:t>
+              <a:t>2023-05-16</a:t>
             </a:fld>
             <a:endParaRPr lang="ko-KR" altLang="en-US"/>
           </a:p>
@@ -2628,7 +2637,7 @@
           <a:p>
             <a:fld id="{8745AD7C-AECC-4943-AD1F-690FAB9034AD}" type="datetimeFigureOut">
               <a:rPr lang="ko-KR" altLang="en-US" smtClean="0"/>
-              <a:t>2023-05-15</a:t>
+              <a:t>2023-05-16</a:t>
             </a:fld>
             <a:endParaRPr lang="ko-KR" altLang="en-US"/>
           </a:p>
@@ -3113,15 +3122,7 @@
             <a:pPr algn="ctr"/>
             <a:r>
               <a:rPr lang="ko-KR" altLang="en-US" sz="3600" dirty="0" smtClean="0"/>
-              <a:t>프로젝트 생성</a:t>
-            </a:r>
-            <a:r>
-              <a:rPr lang="ko-KR" altLang="en-US" sz="3600" dirty="0" smtClean="0"/>
-              <a:t> </a:t>
-            </a:r>
-            <a:r>
-              <a:rPr lang="ko-KR" altLang="en-US" sz="3600" dirty="0" smtClean="0"/>
-              <a:t>가이드</a:t>
+              <a:t>프로젝트 생성 가이드</a:t>
             </a:r>
             <a:endParaRPr lang="ko-KR" altLang="en-US" sz="3600" dirty="0"/>
           </a:p>
@@ -3812,6 +3813,2514 @@
 </p:sld>
 </file>
 
+<file path=ppt/slides/slide10.xml><?xml version="1.0" encoding="utf-8"?>
+<p:sld xmlns:a="http://schemas.openxmlformats.org/drawingml/2006/main" xmlns:r="http://schemas.openxmlformats.org/officeDocument/2006/relationships" xmlns:p="http://schemas.openxmlformats.org/presentationml/2006/main">
+  <p:cSld>
+    <p:spTree>
+      <p:nvGrpSpPr>
+        <p:cNvPr id="1" name=""/>
+        <p:cNvGrpSpPr/>
+        <p:nvPr/>
+      </p:nvGrpSpPr>
+      <p:grpSpPr>
+        <a:xfrm>
+          <a:off x="0" y="0"/>
+          <a:ext cx="0" cy="0"/>
+          <a:chOff x="0" y="0"/>
+          <a:chExt cx="0" cy="0"/>
+        </a:xfrm>
+      </p:grpSpPr>
+      <p:sp>
+        <p:nvSpPr>
+          <p:cNvPr id="2" name="제목 1"/>
+          <p:cNvSpPr>
+            <a:spLocks noGrp="1"/>
+          </p:cNvSpPr>
+          <p:nvPr>
+            <p:ph type="title"/>
+          </p:nvPr>
+        </p:nvSpPr>
+        <p:spPr/>
+        <p:txBody>
+          <a:bodyPr/>
+          <a:lstStyle/>
+          <a:p>
+            <a:r>
+              <a:rPr lang="ko-KR" altLang="en-US" dirty="0"/>
+              <a:t>프로젝트 생성</a:t>
+            </a:r>
+            <a:r>
+              <a:rPr lang="en-US" altLang="ko-KR" dirty="0" smtClean="0"/>
+              <a:t>(6)</a:t>
+            </a:r>
+            <a:endParaRPr lang="ko-KR" altLang="en-US" dirty="0"/>
+          </a:p>
+        </p:txBody>
+      </p:sp>
+      <p:sp>
+        <p:nvSpPr>
+          <p:cNvPr id="3" name="내용 개체 틀 2"/>
+          <p:cNvSpPr>
+            <a:spLocks noGrp="1"/>
+          </p:cNvSpPr>
+          <p:nvPr>
+            <p:ph idx="1"/>
+          </p:nvPr>
+        </p:nvSpPr>
+        <p:spPr/>
+        <p:txBody>
+          <a:bodyPr/>
+          <a:lstStyle/>
+          <a:p>
+            <a:r>
+              <a:rPr lang="en-US" altLang="ko-KR" dirty="0" err="1"/>
+              <a:t>a</a:t>
+            </a:r>
+            <a:r>
+              <a:rPr lang="en-US" altLang="ko-KR" dirty="0" err="1" smtClean="0"/>
+              <a:t>pplication.properties</a:t>
+            </a:r>
+            <a:r>
+              <a:rPr lang="en-US" altLang="ko-KR" dirty="0" smtClean="0"/>
+              <a:t> </a:t>
+            </a:r>
+            <a:r>
+              <a:rPr lang="ko-KR" altLang="en-US" dirty="0" smtClean="0"/>
+              <a:t>를 </a:t>
+            </a:r>
+            <a:r>
+              <a:rPr lang="en-US" altLang="ko-KR" dirty="0" err="1" smtClean="0"/>
+              <a:t>yaml</a:t>
+            </a:r>
+            <a:r>
+              <a:rPr lang="ko-KR" altLang="en-US" dirty="0" smtClean="0"/>
+              <a:t>로 변경</a:t>
+            </a:r>
+            <a:endParaRPr lang="en-US" altLang="ko-KR" dirty="0" smtClean="0"/>
+          </a:p>
+          <a:p>
+            <a:pPr lvl="1"/>
+            <a:r>
+              <a:rPr lang="en-US" altLang="ko-KR" dirty="0" err="1" smtClean="0"/>
+              <a:t>application.properties</a:t>
+            </a:r>
+            <a:r>
+              <a:rPr lang="ko-KR" altLang="en-US" dirty="0" smtClean="0"/>
+              <a:t>에서 </a:t>
+            </a:r>
+            <a:r>
+              <a:rPr lang="ko-KR" altLang="en-US" dirty="0" err="1" smtClean="0"/>
+              <a:t>우클릭</a:t>
+            </a:r>
+            <a:r>
+              <a:rPr lang="ko-KR" altLang="en-US" dirty="0" smtClean="0"/>
+              <a:t> 후 </a:t>
+            </a:r>
+            <a:r>
+              <a:rPr lang="en-US" altLang="ko-KR" dirty="0" smtClean="0"/>
+              <a:t>Convert .properties to .</a:t>
+            </a:r>
+            <a:r>
+              <a:rPr lang="en-US" altLang="ko-KR" dirty="0" err="1" smtClean="0"/>
+              <a:t>yml</a:t>
+            </a:r>
+            <a:r>
+              <a:rPr lang="en-US" altLang="ko-KR" dirty="0" smtClean="0"/>
+              <a:t> </a:t>
+            </a:r>
+            <a:r>
+              <a:rPr lang="ko-KR" altLang="en-US" dirty="0" smtClean="0"/>
+              <a:t>선택</a:t>
+            </a:r>
+            <a:endParaRPr lang="en-US" altLang="ko-KR" dirty="0" smtClean="0"/>
+          </a:p>
+          <a:p>
+            <a:pPr lvl="1"/>
+            <a:r>
+              <a:rPr lang="en-US" altLang="ko-KR" dirty="0" smtClean="0"/>
+              <a:t>Refactoring</a:t>
+            </a:r>
+            <a:r>
+              <a:rPr lang="ko-KR" altLang="en-US" dirty="0" smtClean="0"/>
+              <a:t>에서 </a:t>
+            </a:r>
+            <a:r>
+              <a:rPr lang="en-US" altLang="ko-KR" dirty="0" smtClean="0"/>
+              <a:t>OK </a:t>
+            </a:r>
+            <a:r>
+              <a:rPr lang="ko-KR" altLang="en-US" dirty="0" smtClean="0"/>
+              <a:t>클릭</a:t>
+            </a:r>
+            <a:endParaRPr lang="en-US" altLang="ko-KR" dirty="0" smtClean="0"/>
+          </a:p>
+          <a:p>
+            <a:pPr lvl="1"/>
+            <a:r>
+              <a:rPr lang="en-US" altLang="ko-KR" dirty="0" err="1" smtClean="0"/>
+              <a:t>application.properties</a:t>
+            </a:r>
+            <a:r>
+              <a:rPr lang="en-US" altLang="ko-KR" dirty="0" smtClean="0"/>
+              <a:t> </a:t>
+            </a:r>
+            <a:r>
+              <a:rPr lang="en-US" altLang="ko-KR" dirty="0" smtClean="0">
+                <a:sym typeface="Wingdings" panose="05000000000000000000" pitchFamily="2" charset="2"/>
+              </a:rPr>
+              <a:t> </a:t>
+            </a:r>
+            <a:r>
+              <a:rPr lang="en-US" altLang="ko-KR" dirty="0" err="1" smtClean="0"/>
+              <a:t>application.yml</a:t>
+            </a:r>
+            <a:r>
+              <a:rPr lang="en-US" altLang="ko-KR" dirty="0" smtClean="0"/>
+              <a:t> </a:t>
+            </a:r>
+            <a:r>
+              <a:rPr lang="ko-KR" altLang="en-US" dirty="0" smtClean="0"/>
+              <a:t>로 변경 확인</a:t>
+            </a:r>
+            <a:endParaRPr lang="en-US" altLang="ko-KR" dirty="0" smtClean="0"/>
+          </a:p>
+          <a:p>
+            <a:pPr lvl="1"/>
+            <a:endParaRPr lang="ko-KR" altLang="en-US" dirty="0"/>
+          </a:p>
+        </p:txBody>
+      </p:sp>
+      <p:pic>
+        <p:nvPicPr>
+          <p:cNvPr id="4" name="그림 3"/>
+          <p:cNvPicPr>
+            <a:picLocks noChangeAspect="1"/>
+          </p:cNvPicPr>
+          <p:nvPr/>
+        </p:nvPicPr>
+        <p:blipFill>
+          <a:blip r:embed="rId2"/>
+          <a:stretch>
+            <a:fillRect/>
+          </a:stretch>
+        </p:blipFill>
+        <p:spPr>
+          <a:xfrm>
+            <a:off x="1794294" y="2340595"/>
+            <a:ext cx="2667359" cy="3749650"/>
+          </a:xfrm>
+          <a:prstGeom prst="rect">
+            <a:avLst/>
+          </a:prstGeom>
+        </p:spPr>
+      </p:pic>
+      <p:pic>
+        <p:nvPicPr>
+          <p:cNvPr id="5" name="그림 4"/>
+          <p:cNvPicPr>
+            <a:picLocks noChangeAspect="1"/>
+          </p:cNvPicPr>
+          <p:nvPr/>
+        </p:nvPicPr>
+        <p:blipFill>
+          <a:blip r:embed="rId3"/>
+          <a:stretch>
+            <a:fillRect/>
+          </a:stretch>
+        </p:blipFill>
+        <p:spPr>
+          <a:xfrm>
+            <a:off x="4976436" y="2340596"/>
+            <a:ext cx="3494584" cy="3094042"/>
+          </a:xfrm>
+          <a:prstGeom prst="rect">
+            <a:avLst/>
+          </a:prstGeom>
+        </p:spPr>
+      </p:pic>
+      <p:pic>
+        <p:nvPicPr>
+          <p:cNvPr id="6" name="그림 5"/>
+          <p:cNvPicPr>
+            <a:picLocks noChangeAspect="1"/>
+          </p:cNvPicPr>
+          <p:nvPr/>
+        </p:nvPicPr>
+        <p:blipFill>
+          <a:blip r:embed="rId4"/>
+          <a:stretch>
+            <a:fillRect/>
+          </a:stretch>
+        </p:blipFill>
+        <p:spPr>
+          <a:xfrm>
+            <a:off x="9001193" y="2340595"/>
+            <a:ext cx="2352607" cy="2012471"/>
+          </a:xfrm>
+          <a:prstGeom prst="rect">
+            <a:avLst/>
+          </a:prstGeom>
+        </p:spPr>
+      </p:pic>
+      <p:sp>
+        <p:nvSpPr>
+          <p:cNvPr id="7" name="오른쪽 화살표 6"/>
+          <p:cNvSpPr/>
+          <p:nvPr/>
+        </p:nvSpPr>
+        <p:spPr>
+          <a:xfrm>
+            <a:off x="4567150" y="3585693"/>
+            <a:ext cx="319178" cy="301924"/>
+          </a:xfrm>
+          <a:prstGeom prst="rightArrow">
+            <a:avLst/>
+          </a:prstGeom>
+          <a:noFill/>
+          <a:ln w="38100">
+            <a:solidFill>
+              <a:srgbClr val="FF0000"/>
+            </a:solidFill>
+          </a:ln>
+        </p:spPr>
+        <p:style>
+          <a:lnRef idx="2">
+            <a:schemeClr val="accent1">
+              <a:shade val="50000"/>
+            </a:schemeClr>
+          </a:lnRef>
+          <a:fillRef idx="1">
+            <a:schemeClr val="accent1"/>
+          </a:fillRef>
+          <a:effectRef idx="0">
+            <a:schemeClr val="accent1"/>
+          </a:effectRef>
+          <a:fontRef idx="minor">
+            <a:schemeClr val="lt1"/>
+          </a:fontRef>
+        </p:style>
+        <p:txBody>
+          <a:bodyPr rtlCol="0" anchor="ctr"/>
+          <a:lstStyle/>
+          <a:p>
+            <a:pPr algn="ctr"/>
+            <a:endParaRPr lang="ko-KR" altLang="en-US"/>
+          </a:p>
+        </p:txBody>
+      </p:sp>
+      <p:sp>
+        <p:nvSpPr>
+          <p:cNvPr id="8" name="오른쪽 화살표 7"/>
+          <p:cNvSpPr/>
+          <p:nvPr/>
+        </p:nvSpPr>
+        <p:spPr>
+          <a:xfrm>
+            <a:off x="8576517" y="3585693"/>
+            <a:ext cx="319178" cy="301924"/>
+          </a:xfrm>
+          <a:prstGeom prst="rightArrow">
+            <a:avLst/>
+          </a:prstGeom>
+          <a:noFill/>
+          <a:ln w="38100">
+            <a:solidFill>
+              <a:srgbClr val="FF0000"/>
+            </a:solidFill>
+          </a:ln>
+        </p:spPr>
+        <p:style>
+          <a:lnRef idx="2">
+            <a:schemeClr val="accent1">
+              <a:shade val="50000"/>
+            </a:schemeClr>
+          </a:lnRef>
+          <a:fillRef idx="1">
+            <a:schemeClr val="accent1"/>
+          </a:fillRef>
+          <a:effectRef idx="0">
+            <a:schemeClr val="accent1"/>
+          </a:effectRef>
+          <a:fontRef idx="minor">
+            <a:schemeClr val="lt1"/>
+          </a:fontRef>
+        </p:style>
+        <p:txBody>
+          <a:bodyPr rtlCol="0" anchor="ctr"/>
+          <a:lstStyle/>
+          <a:p>
+            <a:pPr algn="ctr"/>
+            <a:endParaRPr lang="ko-KR" altLang="en-US"/>
+          </a:p>
+        </p:txBody>
+      </p:sp>
+      <p:sp>
+        <p:nvSpPr>
+          <p:cNvPr id="9" name="직사각형 8"/>
+          <p:cNvSpPr/>
+          <p:nvPr/>
+        </p:nvSpPr>
+        <p:spPr>
+          <a:xfrm>
+            <a:off x="1904050" y="2734569"/>
+            <a:ext cx="985799" cy="181155"/>
+          </a:xfrm>
+          <a:prstGeom prst="rect">
+            <a:avLst/>
+          </a:prstGeom>
+          <a:noFill/>
+          <a:ln w="38100">
+            <a:solidFill>
+              <a:srgbClr val="FF0000"/>
+            </a:solidFill>
+          </a:ln>
+        </p:spPr>
+        <p:style>
+          <a:lnRef idx="2">
+            <a:schemeClr val="accent1">
+              <a:shade val="50000"/>
+            </a:schemeClr>
+          </a:lnRef>
+          <a:fillRef idx="1">
+            <a:schemeClr val="accent1"/>
+          </a:fillRef>
+          <a:effectRef idx="0">
+            <a:schemeClr val="accent1"/>
+          </a:effectRef>
+          <a:fontRef idx="minor">
+            <a:schemeClr val="lt1"/>
+          </a:fontRef>
+        </p:style>
+        <p:txBody>
+          <a:bodyPr rot="0" spcFirstLastPara="0" vertOverflow="overflow" horzOverflow="overflow" vert="horz" wrap="square" lIns="91440" tIns="45720" rIns="91440" bIns="45720" numCol="1" spcCol="0" rtlCol="0" fromWordArt="0" anchor="ctr" anchorCtr="0" forceAA="0" compatLnSpc="1">
+            <a:prstTxWarp prst="textNoShape">
+              <a:avLst/>
+            </a:prstTxWarp>
+            <a:noAutofit/>
+          </a:bodyPr>
+          <a:lstStyle/>
+          <a:p>
+            <a:pPr algn="ctr"/>
+            <a:endParaRPr lang="ko-KR" altLang="en-US"/>
+          </a:p>
+        </p:txBody>
+      </p:sp>
+      <p:sp>
+        <p:nvSpPr>
+          <p:cNvPr id="10" name="직사각형 9"/>
+          <p:cNvSpPr/>
+          <p:nvPr/>
+        </p:nvSpPr>
+        <p:spPr>
+          <a:xfrm>
+            <a:off x="2559658" y="5736566"/>
+            <a:ext cx="1901995" cy="189781"/>
+          </a:xfrm>
+          <a:prstGeom prst="rect">
+            <a:avLst/>
+          </a:prstGeom>
+          <a:noFill/>
+          <a:ln w="38100">
+            <a:solidFill>
+              <a:srgbClr val="FF0000"/>
+            </a:solidFill>
+          </a:ln>
+        </p:spPr>
+        <p:style>
+          <a:lnRef idx="2">
+            <a:schemeClr val="accent1">
+              <a:shade val="50000"/>
+            </a:schemeClr>
+          </a:lnRef>
+          <a:fillRef idx="1">
+            <a:schemeClr val="accent1"/>
+          </a:fillRef>
+          <a:effectRef idx="0">
+            <a:schemeClr val="accent1"/>
+          </a:effectRef>
+          <a:fontRef idx="minor">
+            <a:schemeClr val="lt1"/>
+          </a:fontRef>
+        </p:style>
+        <p:txBody>
+          <a:bodyPr rot="0" spcFirstLastPara="0" vertOverflow="overflow" horzOverflow="overflow" vert="horz" wrap="square" lIns="91440" tIns="45720" rIns="91440" bIns="45720" numCol="1" spcCol="0" rtlCol="0" fromWordArt="0" anchor="ctr" anchorCtr="0" forceAA="0" compatLnSpc="1">
+            <a:prstTxWarp prst="textNoShape">
+              <a:avLst/>
+            </a:prstTxWarp>
+            <a:noAutofit/>
+          </a:bodyPr>
+          <a:lstStyle/>
+          <a:p>
+            <a:pPr algn="ctr"/>
+            <a:endParaRPr lang="ko-KR" altLang="en-US"/>
+          </a:p>
+        </p:txBody>
+      </p:sp>
+      <p:sp>
+        <p:nvSpPr>
+          <p:cNvPr id="11" name="직사각형 10"/>
+          <p:cNvSpPr/>
+          <p:nvPr/>
+        </p:nvSpPr>
+        <p:spPr>
+          <a:xfrm>
+            <a:off x="7289320" y="5167217"/>
+            <a:ext cx="552090" cy="207034"/>
+          </a:xfrm>
+          <a:prstGeom prst="rect">
+            <a:avLst/>
+          </a:prstGeom>
+          <a:noFill/>
+          <a:ln w="38100">
+            <a:solidFill>
+              <a:srgbClr val="FF0000"/>
+            </a:solidFill>
+          </a:ln>
+        </p:spPr>
+        <p:style>
+          <a:lnRef idx="2">
+            <a:schemeClr val="accent1">
+              <a:shade val="50000"/>
+            </a:schemeClr>
+          </a:lnRef>
+          <a:fillRef idx="1">
+            <a:schemeClr val="accent1"/>
+          </a:fillRef>
+          <a:effectRef idx="0">
+            <a:schemeClr val="accent1"/>
+          </a:effectRef>
+          <a:fontRef idx="minor">
+            <a:schemeClr val="lt1"/>
+          </a:fontRef>
+        </p:style>
+        <p:txBody>
+          <a:bodyPr rot="0" spcFirstLastPara="0" vertOverflow="overflow" horzOverflow="overflow" vert="horz" wrap="square" lIns="91440" tIns="45720" rIns="91440" bIns="45720" numCol="1" spcCol="0" rtlCol="0" fromWordArt="0" anchor="ctr" anchorCtr="0" forceAA="0" compatLnSpc="1">
+            <a:prstTxWarp prst="textNoShape">
+              <a:avLst/>
+            </a:prstTxWarp>
+            <a:noAutofit/>
+          </a:bodyPr>
+          <a:lstStyle/>
+          <a:p>
+            <a:pPr algn="ctr"/>
+            <a:endParaRPr lang="ko-KR" altLang="en-US"/>
+          </a:p>
+        </p:txBody>
+      </p:sp>
+      <p:sp>
+        <p:nvSpPr>
+          <p:cNvPr id="12" name="직사각형 11"/>
+          <p:cNvSpPr/>
+          <p:nvPr/>
+        </p:nvSpPr>
+        <p:spPr>
+          <a:xfrm>
+            <a:off x="9360320" y="4137404"/>
+            <a:ext cx="870608" cy="207034"/>
+          </a:xfrm>
+          <a:prstGeom prst="rect">
+            <a:avLst/>
+          </a:prstGeom>
+          <a:noFill/>
+          <a:ln w="38100">
+            <a:solidFill>
+              <a:srgbClr val="FF0000"/>
+            </a:solidFill>
+          </a:ln>
+        </p:spPr>
+        <p:style>
+          <a:lnRef idx="2">
+            <a:schemeClr val="accent1">
+              <a:shade val="50000"/>
+            </a:schemeClr>
+          </a:lnRef>
+          <a:fillRef idx="1">
+            <a:schemeClr val="accent1"/>
+          </a:fillRef>
+          <a:effectRef idx="0">
+            <a:schemeClr val="accent1"/>
+          </a:effectRef>
+          <a:fontRef idx="minor">
+            <a:schemeClr val="lt1"/>
+          </a:fontRef>
+        </p:style>
+        <p:txBody>
+          <a:bodyPr rot="0" spcFirstLastPara="0" vertOverflow="overflow" horzOverflow="overflow" vert="horz" wrap="square" lIns="91440" tIns="45720" rIns="91440" bIns="45720" numCol="1" spcCol="0" rtlCol="0" fromWordArt="0" anchor="ctr" anchorCtr="0" forceAA="0" compatLnSpc="1">
+            <a:prstTxWarp prst="textNoShape">
+              <a:avLst/>
+            </a:prstTxWarp>
+            <a:noAutofit/>
+          </a:bodyPr>
+          <a:lstStyle/>
+          <a:p>
+            <a:pPr algn="ctr"/>
+            <a:endParaRPr lang="ko-KR" altLang="en-US"/>
+          </a:p>
+        </p:txBody>
+      </p:sp>
+    </p:spTree>
+    <p:extLst>
+      <p:ext uri="{BB962C8B-B14F-4D97-AF65-F5344CB8AC3E}">
+        <p14:creationId xmlns:p14="http://schemas.microsoft.com/office/powerpoint/2010/main" val="3066808305"/>
+      </p:ext>
+    </p:extLst>
+  </p:cSld>
+  <p:clrMapOvr>
+    <a:masterClrMapping/>
+  </p:clrMapOvr>
+</p:sld>
+</file>
+
+<file path=ppt/slides/slide11.xml><?xml version="1.0" encoding="utf-8"?>
+<p:sld xmlns:a="http://schemas.openxmlformats.org/drawingml/2006/main" xmlns:r="http://schemas.openxmlformats.org/officeDocument/2006/relationships" xmlns:p="http://schemas.openxmlformats.org/presentationml/2006/main">
+  <p:cSld>
+    <p:spTree>
+      <p:nvGrpSpPr>
+        <p:cNvPr id="1" name=""/>
+        <p:cNvGrpSpPr/>
+        <p:nvPr/>
+      </p:nvGrpSpPr>
+      <p:grpSpPr>
+        <a:xfrm>
+          <a:off x="0" y="0"/>
+          <a:ext cx="0" cy="0"/>
+          <a:chOff x="0" y="0"/>
+          <a:chExt cx="0" cy="0"/>
+        </a:xfrm>
+      </p:grpSpPr>
+      <p:sp>
+        <p:nvSpPr>
+          <p:cNvPr id="2" name="제목 1"/>
+          <p:cNvSpPr>
+            <a:spLocks noGrp="1"/>
+          </p:cNvSpPr>
+          <p:nvPr>
+            <p:ph type="title"/>
+          </p:nvPr>
+        </p:nvSpPr>
+        <p:spPr/>
+        <p:txBody>
+          <a:bodyPr/>
+          <a:lstStyle/>
+          <a:p>
+            <a:r>
+              <a:rPr lang="ko-KR" altLang="en-US" dirty="0"/>
+              <a:t>프로젝트 생성</a:t>
+            </a:r>
+            <a:r>
+              <a:rPr lang="en-US" altLang="ko-KR" dirty="0" smtClean="0"/>
+              <a:t>(7)</a:t>
+            </a:r>
+            <a:endParaRPr lang="ko-KR" altLang="en-US" dirty="0"/>
+          </a:p>
+        </p:txBody>
+      </p:sp>
+      <p:sp>
+        <p:nvSpPr>
+          <p:cNvPr id="3" name="내용 개체 틀 2"/>
+          <p:cNvSpPr>
+            <a:spLocks noGrp="1"/>
+          </p:cNvSpPr>
+          <p:nvPr>
+            <p:ph idx="1"/>
+          </p:nvPr>
+        </p:nvSpPr>
+        <p:spPr/>
+        <p:txBody>
+          <a:bodyPr/>
+          <a:lstStyle/>
+          <a:p>
+            <a:r>
+              <a:rPr lang="en-US" altLang="ko-KR" dirty="0" err="1" smtClean="0"/>
+              <a:t>application.yml</a:t>
+            </a:r>
+            <a:r>
+              <a:rPr lang="en-US" altLang="ko-KR" dirty="0" smtClean="0"/>
+              <a:t> </a:t>
+            </a:r>
+            <a:r>
+              <a:rPr lang="ko-KR" altLang="en-US" dirty="0" smtClean="0"/>
+              <a:t>작성</a:t>
+            </a:r>
+            <a:endParaRPr lang="en-US" altLang="ko-KR" dirty="0" smtClean="0"/>
+          </a:p>
+          <a:p>
+            <a:pPr lvl="1"/>
+            <a:r>
+              <a:rPr lang="en-US" altLang="ko-KR" dirty="0" smtClean="0"/>
+              <a:t>member service</a:t>
+            </a:r>
+            <a:r>
+              <a:rPr lang="ko-KR" altLang="en-US" dirty="0" smtClean="0"/>
+              <a:t>의 </a:t>
+            </a:r>
+            <a:r>
+              <a:rPr lang="en-US" altLang="ko-KR" dirty="0" err="1" smtClean="0"/>
+              <a:t>application.yml</a:t>
+            </a:r>
+            <a:r>
+              <a:rPr lang="ko-KR" altLang="en-US" dirty="0" smtClean="0"/>
+              <a:t> 내용을 복사 </a:t>
+            </a:r>
+            <a:r>
+              <a:rPr lang="ko-KR" altLang="en-US" dirty="0" err="1" smtClean="0"/>
+              <a:t>붙여넣기</a:t>
+            </a:r>
+            <a:endParaRPr lang="en-US" altLang="ko-KR" dirty="0" smtClean="0"/>
+          </a:p>
+          <a:p>
+            <a:pPr lvl="1"/>
+            <a:r>
+              <a:rPr lang="ko-KR" altLang="en-US" dirty="0" smtClean="0"/>
+              <a:t>내용수정</a:t>
+            </a:r>
+            <a:endParaRPr lang="en-US" altLang="ko-KR" dirty="0" smtClean="0"/>
+          </a:p>
+          <a:p>
+            <a:pPr lvl="2"/>
+            <a:r>
+              <a:rPr lang="en-US" altLang="ko-KR" dirty="0" err="1" smtClean="0"/>
+              <a:t>server.port</a:t>
+            </a:r>
+            <a:r>
+              <a:rPr lang="en-US" altLang="ko-KR" dirty="0" smtClean="0"/>
+              <a:t>: </a:t>
+            </a:r>
+            <a:r>
+              <a:rPr lang="en-US" altLang="ko-KR" dirty="0" smtClean="0">
+                <a:solidFill>
+                  <a:srgbClr val="FF0000"/>
+                </a:solidFill>
+              </a:rPr>
+              <a:t>8081</a:t>
+            </a:r>
+            <a:r>
+              <a:rPr lang="en-US" altLang="ko-KR" dirty="0" smtClean="0"/>
+              <a:t> </a:t>
+            </a:r>
+            <a:r>
+              <a:rPr lang="ko-KR" altLang="en-US" dirty="0" smtClean="0"/>
+              <a:t>수정</a:t>
+            </a:r>
+            <a:endParaRPr lang="en-US" altLang="ko-KR" dirty="0"/>
+          </a:p>
+          <a:p>
+            <a:pPr marL="914400" lvl="2" indent="0">
+              <a:buNone/>
+            </a:pPr>
+            <a:r>
+              <a:rPr lang="en-US" altLang="ko-KR" dirty="0" smtClean="0"/>
+              <a:t>       </a:t>
+            </a:r>
+            <a:r>
+              <a:rPr lang="en-US" altLang="ko-KR" dirty="0" smtClean="0">
+                <a:sym typeface="Wingdings" panose="05000000000000000000" pitchFamily="2" charset="2"/>
+              </a:rPr>
+              <a:t> </a:t>
+            </a:r>
+            <a:r>
+              <a:rPr lang="en-US" altLang="ko-KR" dirty="0" smtClean="0">
+                <a:solidFill>
+                  <a:srgbClr val="0000FF"/>
+                </a:solidFill>
+              </a:rPr>
+              <a:t>helper: 8082 / contract: 8083 / payment: 8084 / claim: 8085 / settlement: 8086 / review: 8087</a:t>
+            </a:r>
+          </a:p>
+          <a:p>
+            <a:pPr lvl="2">
+              <a:buFont typeface="+mj-lt"/>
+              <a:buAutoNum type="alphaLcPeriod" startAt="2"/>
+            </a:pPr>
+            <a:r>
+              <a:rPr lang="en-US" altLang="ko-KR" dirty="0"/>
+              <a:t>url: </a:t>
+            </a:r>
+            <a:r>
+              <a:rPr lang="en-US" altLang="ko-KR" dirty="0" smtClean="0"/>
+              <a:t>jdbc:h2:mem:</a:t>
+            </a:r>
+            <a:r>
+              <a:rPr lang="en-US" altLang="ko-KR" dirty="0" smtClean="0">
+                <a:solidFill>
+                  <a:srgbClr val="FF0000"/>
+                </a:solidFill>
+              </a:rPr>
+              <a:t>member</a:t>
+            </a:r>
+            <a:r>
+              <a:rPr lang="en-US" altLang="ko-KR" dirty="0" smtClean="0"/>
+              <a:t>db </a:t>
+            </a:r>
+            <a:r>
+              <a:rPr lang="ko-KR" altLang="en-US" dirty="0" smtClean="0"/>
+              <a:t>수정</a:t>
+            </a:r>
+            <a:endParaRPr lang="en-US" altLang="ko-KR" dirty="0" smtClean="0"/>
+          </a:p>
+          <a:p>
+            <a:pPr lvl="2">
+              <a:buFont typeface="+mj-lt"/>
+              <a:buAutoNum type="alphaLcPeriod" startAt="2"/>
+            </a:pPr>
+            <a:r>
+              <a:rPr lang="en-US" altLang="ko-KR" dirty="0" err="1" smtClean="0"/>
+              <a:t>server.servlet.contextPath</a:t>
+            </a:r>
+            <a:r>
+              <a:rPr lang="en-US" altLang="ko-KR" dirty="0" smtClean="0"/>
+              <a:t>: /</a:t>
+            </a:r>
+            <a:r>
+              <a:rPr lang="en-US" altLang="ko-KR" dirty="0" smtClean="0">
+                <a:solidFill>
+                  <a:srgbClr val="FF0000"/>
+                </a:solidFill>
+              </a:rPr>
+              <a:t>member</a:t>
+            </a:r>
+            <a:r>
+              <a:rPr lang="en-US" altLang="ko-KR" dirty="0" smtClean="0"/>
+              <a:t> </a:t>
+            </a:r>
+            <a:r>
+              <a:rPr lang="ko-KR" altLang="en-US" dirty="0" smtClean="0"/>
+              <a:t>수정 </a:t>
+            </a:r>
+            <a:endParaRPr lang="en-US" altLang="ko-KR" dirty="0" smtClean="0"/>
+          </a:p>
+          <a:p>
+            <a:pPr lvl="2">
+              <a:buFont typeface="+mj-lt"/>
+              <a:buAutoNum type="alphaLcPeriod" startAt="2"/>
+            </a:pPr>
+            <a:r>
+              <a:rPr lang="en-US" altLang="ko-KR" dirty="0" err="1" smtClean="0"/>
+              <a:t>api.info.title</a:t>
+            </a:r>
+            <a:r>
+              <a:rPr lang="en-US" altLang="ko-KR" dirty="0" smtClean="0"/>
+              <a:t> : </a:t>
+            </a:r>
+            <a:r>
+              <a:rPr lang="en-US" altLang="ko-KR" dirty="0" err="1"/>
+              <a:t>CareMoa</a:t>
+            </a:r>
+            <a:r>
+              <a:rPr lang="en-US" altLang="ko-KR" dirty="0"/>
+              <a:t> </a:t>
+            </a:r>
+            <a:r>
+              <a:rPr lang="en-US" altLang="ko-KR" dirty="0">
+                <a:solidFill>
+                  <a:srgbClr val="FF0000"/>
+                </a:solidFill>
+              </a:rPr>
+              <a:t>Member</a:t>
+            </a:r>
+            <a:r>
+              <a:rPr lang="en-US" altLang="ko-KR" dirty="0"/>
+              <a:t> Service </a:t>
+            </a:r>
+            <a:r>
+              <a:rPr lang="en-US" altLang="ko-KR" dirty="0" smtClean="0"/>
+              <a:t>API </a:t>
+            </a:r>
+            <a:r>
+              <a:rPr lang="ko-KR" altLang="en-US" dirty="0" smtClean="0"/>
+              <a:t>수정</a:t>
+            </a:r>
+            <a:endParaRPr lang="en-US" altLang="ko-KR" dirty="0" smtClean="0"/>
+          </a:p>
+          <a:p>
+            <a:pPr lvl="2">
+              <a:buFont typeface="+mj-lt"/>
+              <a:buAutoNum type="alphaLcPeriod" startAt="2"/>
+            </a:pPr>
+            <a:r>
+              <a:rPr lang="en-US" altLang="ko-KR" dirty="0" err="1" smtClean="0"/>
+              <a:t>api.info.description</a:t>
+            </a:r>
+            <a:r>
+              <a:rPr lang="en-US" altLang="ko-KR" dirty="0" smtClean="0"/>
+              <a:t>: </a:t>
+            </a:r>
+            <a:r>
+              <a:rPr lang="en-US" altLang="ko-KR" dirty="0"/>
+              <a:t>API to fetch </a:t>
+            </a:r>
+            <a:r>
+              <a:rPr lang="en-US" altLang="ko-KR" dirty="0" err="1"/>
+              <a:t>CareMoa</a:t>
+            </a:r>
+            <a:r>
+              <a:rPr lang="en-US" altLang="ko-KR" dirty="0"/>
+              <a:t> </a:t>
+            </a:r>
+            <a:r>
+              <a:rPr lang="en-US" altLang="ko-KR" dirty="0" smtClean="0">
+                <a:solidFill>
+                  <a:srgbClr val="FF0000"/>
+                </a:solidFill>
+              </a:rPr>
+              <a:t>Member</a:t>
+            </a:r>
+            <a:r>
+              <a:rPr lang="en-US" altLang="ko-KR" dirty="0" smtClean="0"/>
+              <a:t> </a:t>
+            </a:r>
+            <a:r>
+              <a:rPr lang="ko-KR" altLang="en-US" dirty="0" smtClean="0"/>
+              <a:t>수정</a:t>
+            </a:r>
+            <a:endParaRPr lang="en-US" altLang="ko-KR" dirty="0" smtClean="0"/>
+          </a:p>
+          <a:p>
+            <a:pPr lvl="2">
+              <a:buFont typeface="+mj-lt"/>
+              <a:buAutoNum type="alphaLcPeriod" startAt="2"/>
+            </a:pPr>
+            <a:r>
+              <a:rPr lang="en-US" altLang="ko-KR" dirty="0" err="1"/>
+              <a:t>f</a:t>
+            </a:r>
+            <a:r>
+              <a:rPr lang="en-US" altLang="ko-KR" dirty="0" err="1" smtClean="0"/>
+              <a:t>eign.client.config.default.errorDecoder</a:t>
+            </a:r>
+            <a:r>
+              <a:rPr lang="en-US" altLang="ko-KR" dirty="0"/>
+              <a:t>: </a:t>
+            </a:r>
+            <a:r>
+              <a:rPr lang="en-US" altLang="ko-KR" dirty="0" err="1" smtClean="0"/>
+              <a:t>com.caremoa.</a:t>
+            </a:r>
+            <a:r>
+              <a:rPr lang="en-US" altLang="ko-KR" dirty="0" err="1" smtClean="0">
+                <a:solidFill>
+                  <a:srgbClr val="FF0000"/>
+                </a:solidFill>
+              </a:rPr>
+              <a:t>member</a:t>
+            </a:r>
+            <a:r>
+              <a:rPr lang="en-US" altLang="ko-KR" dirty="0" err="1" smtClean="0"/>
+              <a:t>.exception.FeignErrorDecoder</a:t>
+            </a:r>
+            <a:r>
+              <a:rPr lang="en-US" altLang="ko-KR" dirty="0" smtClean="0"/>
+              <a:t> </a:t>
+            </a:r>
+            <a:r>
+              <a:rPr lang="ko-KR" altLang="en-US" dirty="0" smtClean="0"/>
+              <a:t>수정</a:t>
+            </a:r>
+            <a:endParaRPr lang="en-US" altLang="ko-KR" dirty="0"/>
+          </a:p>
+          <a:p>
+            <a:pPr lvl="1">
+              <a:buFont typeface="+mj-lt"/>
+              <a:buAutoNum type="arabicPeriod"/>
+            </a:pPr>
+            <a:r>
+              <a:rPr lang="ko-KR" altLang="en-US" dirty="0" smtClean="0"/>
+              <a:t>저장</a:t>
+            </a:r>
+            <a:endParaRPr lang="en-US" altLang="ko-KR" dirty="0" smtClean="0"/>
+          </a:p>
+          <a:p>
+            <a:pPr marL="914400" lvl="2" indent="0">
+              <a:buNone/>
+            </a:pPr>
+            <a:endParaRPr lang="ko-KR" altLang="en-US" dirty="0"/>
+          </a:p>
+        </p:txBody>
+      </p:sp>
+    </p:spTree>
+    <p:extLst>
+      <p:ext uri="{BB962C8B-B14F-4D97-AF65-F5344CB8AC3E}">
+        <p14:creationId xmlns:p14="http://schemas.microsoft.com/office/powerpoint/2010/main" val="1809838839"/>
+      </p:ext>
+    </p:extLst>
+  </p:cSld>
+  <p:clrMapOvr>
+    <a:masterClrMapping/>
+  </p:clrMapOvr>
+</p:sld>
+</file>
+
+<file path=ppt/slides/slide12.xml><?xml version="1.0" encoding="utf-8"?>
+<p:sld xmlns:a="http://schemas.openxmlformats.org/drawingml/2006/main" xmlns:r="http://schemas.openxmlformats.org/officeDocument/2006/relationships" xmlns:p="http://schemas.openxmlformats.org/presentationml/2006/main">
+  <p:cSld>
+    <p:spTree>
+      <p:nvGrpSpPr>
+        <p:cNvPr id="1" name=""/>
+        <p:cNvGrpSpPr/>
+        <p:nvPr/>
+      </p:nvGrpSpPr>
+      <p:grpSpPr>
+        <a:xfrm>
+          <a:off x="0" y="0"/>
+          <a:ext cx="0" cy="0"/>
+          <a:chOff x="0" y="0"/>
+          <a:chExt cx="0" cy="0"/>
+        </a:xfrm>
+      </p:grpSpPr>
+      <p:sp>
+        <p:nvSpPr>
+          <p:cNvPr id="2" name="제목 1"/>
+          <p:cNvSpPr>
+            <a:spLocks noGrp="1"/>
+          </p:cNvSpPr>
+          <p:nvPr>
+            <p:ph type="title"/>
+          </p:nvPr>
+        </p:nvSpPr>
+        <p:spPr/>
+        <p:txBody>
+          <a:bodyPr/>
+          <a:lstStyle/>
+          <a:p>
+            <a:r>
+              <a:rPr lang="ko-KR" altLang="en-US" dirty="0"/>
+              <a:t>프로젝트 생성</a:t>
+            </a:r>
+            <a:r>
+              <a:rPr lang="en-US" altLang="ko-KR" dirty="0" smtClean="0"/>
+              <a:t>(8)</a:t>
+            </a:r>
+            <a:endParaRPr lang="ko-KR" altLang="en-US" dirty="0"/>
+          </a:p>
+        </p:txBody>
+      </p:sp>
+      <p:sp>
+        <p:nvSpPr>
+          <p:cNvPr id="3" name="내용 개체 틀 2"/>
+          <p:cNvSpPr>
+            <a:spLocks noGrp="1"/>
+          </p:cNvSpPr>
+          <p:nvPr>
+            <p:ph idx="1"/>
+          </p:nvPr>
+        </p:nvSpPr>
+        <p:spPr/>
+        <p:txBody>
+          <a:bodyPr/>
+          <a:lstStyle/>
+          <a:p>
+            <a:r>
+              <a:rPr lang="en-US" altLang="ko-KR" dirty="0" smtClean="0">
+                <a:solidFill>
+                  <a:srgbClr val="FF0000"/>
+                </a:solidFill>
+              </a:rPr>
+              <a:t>Helper</a:t>
+            </a:r>
+            <a:r>
+              <a:rPr lang="en-US" altLang="ko-KR" dirty="0" smtClean="0"/>
+              <a:t>Application.java</a:t>
+            </a:r>
+            <a:r>
+              <a:rPr lang="ko-KR" altLang="en-US" dirty="0" smtClean="0"/>
+              <a:t>작성</a:t>
+            </a:r>
+            <a:r>
+              <a:rPr lang="en-US" altLang="ko-KR" dirty="0" smtClean="0"/>
+              <a:t> </a:t>
+            </a:r>
+          </a:p>
+          <a:p>
+            <a:pPr lvl="1"/>
+            <a:r>
+              <a:rPr lang="en-US" altLang="ko-KR" dirty="0" smtClean="0"/>
+              <a:t>member service</a:t>
+            </a:r>
+            <a:r>
+              <a:rPr lang="ko-KR" altLang="en-US" dirty="0" smtClean="0"/>
+              <a:t>의 </a:t>
+            </a:r>
+            <a:r>
+              <a:rPr lang="en-US" altLang="ko-KR" dirty="0" smtClean="0"/>
+              <a:t>OpenApiConfig.java File</a:t>
+            </a:r>
+            <a:r>
+              <a:rPr lang="ko-KR" altLang="en-US" dirty="0" smtClean="0"/>
+              <a:t>를 복사하여  </a:t>
+            </a:r>
+            <a:r>
+              <a:rPr lang="ko-KR" altLang="en-US" dirty="0" err="1" smtClean="0"/>
+              <a:t>붙여넣기</a:t>
+            </a:r>
+            <a:endParaRPr lang="en-US" altLang="ko-KR" dirty="0" smtClean="0"/>
+          </a:p>
+          <a:p>
+            <a:pPr lvl="1"/>
+            <a:r>
+              <a:rPr lang="ko-KR" altLang="en-US" dirty="0" smtClean="0"/>
+              <a:t>내용추가</a:t>
+            </a:r>
+            <a:endParaRPr lang="en-US" altLang="ko-KR" dirty="0" smtClean="0"/>
+          </a:p>
+          <a:p>
+            <a:pPr marL="457200" lvl="1" indent="0">
+              <a:buNone/>
+            </a:pPr>
+            <a:r>
+              <a:rPr lang="en-US" altLang="ko-KR" dirty="0" smtClean="0"/>
+              <a:t>       </a:t>
+            </a:r>
+          </a:p>
+          <a:p>
+            <a:pPr marL="914400" lvl="2" indent="0">
+              <a:buNone/>
+            </a:pPr>
+            <a:endParaRPr lang="ko-KR" altLang="en-US" dirty="0"/>
+          </a:p>
+        </p:txBody>
+      </p:sp>
+      <p:sp>
+        <p:nvSpPr>
+          <p:cNvPr id="7" name="직사각형 6"/>
+          <p:cNvSpPr/>
+          <p:nvPr/>
+        </p:nvSpPr>
+        <p:spPr>
+          <a:xfrm>
+            <a:off x="1794294" y="1846054"/>
+            <a:ext cx="8298612" cy="3933644"/>
+          </a:xfrm>
+          <a:prstGeom prst="rect">
+            <a:avLst/>
+          </a:prstGeom>
+          <a:noFill/>
+          <a:ln w="38100">
+            <a:solidFill>
+              <a:srgbClr val="FF0000"/>
+            </a:solidFill>
+          </a:ln>
+        </p:spPr>
+        <p:style>
+          <a:lnRef idx="2">
+            <a:schemeClr val="accent1">
+              <a:shade val="50000"/>
+            </a:schemeClr>
+          </a:lnRef>
+          <a:fillRef idx="1">
+            <a:schemeClr val="accent1"/>
+          </a:fillRef>
+          <a:effectRef idx="0">
+            <a:schemeClr val="accent1"/>
+          </a:effectRef>
+          <a:fontRef idx="minor">
+            <a:schemeClr val="lt1"/>
+          </a:fontRef>
+        </p:style>
+        <p:txBody>
+          <a:bodyPr rtlCol="0" anchor="ctr"/>
+          <a:lstStyle/>
+          <a:p>
+            <a:r>
+              <a:rPr lang="en-US" altLang="ko-KR" dirty="0">
+                <a:ln w="0"/>
+                <a:solidFill>
+                  <a:schemeClr val="tx1"/>
+                </a:solidFill>
+                <a:effectLst>
+                  <a:outerShdw blurRad="38100" dist="19050" dir="2700000" algn="tl" rotWithShape="0">
+                    <a:schemeClr val="dk1">
+                      <a:alpha val="40000"/>
+                    </a:schemeClr>
+                  </a:outerShdw>
+                </a:effectLst>
+              </a:rPr>
+              <a:t>import </a:t>
+            </a:r>
+            <a:r>
+              <a:rPr lang="en-US" altLang="ko-KR" dirty="0" err="1">
+                <a:ln w="0"/>
+                <a:solidFill>
+                  <a:schemeClr val="tx1"/>
+                </a:solidFill>
+                <a:effectLst>
+                  <a:outerShdw blurRad="38100" dist="19050" dir="2700000" algn="tl" rotWithShape="0">
+                    <a:schemeClr val="dk1">
+                      <a:alpha val="40000"/>
+                    </a:schemeClr>
+                  </a:outerShdw>
+                </a:effectLst>
+              </a:rPr>
+              <a:t>org.springframework.boot.SpringApplication</a:t>
+            </a:r>
+            <a:r>
+              <a:rPr lang="en-US" altLang="ko-KR" dirty="0">
+                <a:ln w="0"/>
+                <a:solidFill>
+                  <a:schemeClr val="tx1"/>
+                </a:solidFill>
+                <a:effectLst>
+                  <a:outerShdw blurRad="38100" dist="19050" dir="2700000" algn="tl" rotWithShape="0">
+                    <a:schemeClr val="dk1">
+                      <a:alpha val="40000"/>
+                    </a:schemeClr>
+                  </a:outerShdw>
+                </a:effectLst>
+              </a:rPr>
+              <a:t>;</a:t>
+            </a:r>
+          </a:p>
+          <a:p>
+            <a:r>
+              <a:rPr lang="en-US" altLang="ko-KR" dirty="0">
+                <a:ln w="0"/>
+                <a:solidFill>
+                  <a:srgbClr val="FF0000"/>
+                </a:solidFill>
+                <a:effectLst>
+                  <a:outerShdw blurRad="38100" dist="19050" dir="2700000" algn="tl" rotWithShape="0">
+                    <a:schemeClr val="dk1">
+                      <a:alpha val="40000"/>
+                    </a:schemeClr>
+                  </a:outerShdw>
+                </a:effectLst>
+              </a:rPr>
+              <a:t>import </a:t>
+            </a:r>
+            <a:r>
+              <a:rPr lang="en-US" altLang="ko-KR" dirty="0" err="1">
+                <a:ln w="0"/>
+                <a:solidFill>
+                  <a:srgbClr val="FF0000"/>
+                </a:solidFill>
+                <a:effectLst>
+                  <a:outerShdw blurRad="38100" dist="19050" dir="2700000" algn="tl" rotWithShape="0">
+                    <a:schemeClr val="dk1">
+                      <a:alpha val="40000"/>
+                    </a:schemeClr>
+                  </a:outerShdw>
+                </a:effectLst>
+              </a:rPr>
+              <a:t>org.springframework.boot.autoconfigure.SpringBootApplication</a:t>
+            </a:r>
+            <a:r>
+              <a:rPr lang="en-US" altLang="ko-KR" dirty="0">
+                <a:ln w="0"/>
+                <a:solidFill>
+                  <a:srgbClr val="FF0000"/>
+                </a:solidFill>
+                <a:effectLst>
+                  <a:outerShdw blurRad="38100" dist="19050" dir="2700000" algn="tl" rotWithShape="0">
+                    <a:schemeClr val="dk1">
+                      <a:alpha val="40000"/>
+                    </a:schemeClr>
+                  </a:outerShdw>
+                </a:effectLst>
+              </a:rPr>
+              <a:t>;</a:t>
+            </a:r>
+          </a:p>
+          <a:p>
+            <a:r>
+              <a:rPr lang="en-US" altLang="ko-KR" dirty="0">
+                <a:ln w="0"/>
+                <a:solidFill>
+                  <a:srgbClr val="FF0000"/>
+                </a:solidFill>
+                <a:effectLst>
+                  <a:outerShdw blurRad="38100" dist="19050" dir="2700000" algn="tl" rotWithShape="0">
+                    <a:schemeClr val="dk1">
+                      <a:alpha val="40000"/>
+                    </a:schemeClr>
+                  </a:outerShdw>
+                </a:effectLst>
+              </a:rPr>
+              <a:t>import </a:t>
+            </a:r>
+            <a:r>
+              <a:rPr lang="en-US" altLang="ko-KR" dirty="0" err="1">
+                <a:ln w="0"/>
+                <a:solidFill>
+                  <a:srgbClr val="FF0000"/>
+                </a:solidFill>
+                <a:effectLst>
+                  <a:outerShdw blurRad="38100" dist="19050" dir="2700000" algn="tl" rotWithShape="0">
+                    <a:schemeClr val="dk1">
+                      <a:alpha val="40000"/>
+                    </a:schemeClr>
+                  </a:outerShdw>
+                </a:effectLst>
+              </a:rPr>
+              <a:t>org.springframework.cloud.openfeign.EnableFeignClients</a:t>
+            </a:r>
+            <a:r>
+              <a:rPr lang="en-US" altLang="ko-KR" dirty="0">
+                <a:ln w="0"/>
+                <a:solidFill>
+                  <a:srgbClr val="FF0000"/>
+                </a:solidFill>
+                <a:effectLst>
+                  <a:outerShdw blurRad="38100" dist="19050" dir="2700000" algn="tl" rotWithShape="0">
+                    <a:schemeClr val="dk1">
+                      <a:alpha val="40000"/>
+                    </a:schemeClr>
+                  </a:outerShdw>
+                </a:effectLst>
+              </a:rPr>
+              <a:t>;</a:t>
+            </a:r>
+          </a:p>
+          <a:p>
+            <a:r>
+              <a:rPr lang="en-US" altLang="ko-KR" dirty="0">
+                <a:ln w="0"/>
+                <a:solidFill>
+                  <a:srgbClr val="FF0000"/>
+                </a:solidFill>
+                <a:effectLst>
+                  <a:outerShdw blurRad="38100" dist="19050" dir="2700000" algn="tl" rotWithShape="0">
+                    <a:schemeClr val="dk1">
+                      <a:alpha val="40000"/>
+                    </a:schemeClr>
+                  </a:outerShdw>
+                </a:effectLst>
+              </a:rPr>
+              <a:t>import org.springframework.data.jpa.repository.config.EnableJpaAuditing;</a:t>
+            </a:r>
+          </a:p>
+          <a:p>
+            <a:r>
+              <a:rPr lang="en-US" altLang="ko-KR" dirty="0">
+                <a:ln w="0"/>
+                <a:solidFill>
+                  <a:srgbClr val="FF0000"/>
+                </a:solidFill>
+                <a:effectLst>
+                  <a:outerShdw blurRad="38100" dist="19050" dir="2700000" algn="tl" rotWithShape="0">
+                    <a:schemeClr val="dk1">
+                      <a:alpha val="40000"/>
+                    </a:schemeClr>
+                  </a:outerShdw>
+                </a:effectLst>
+              </a:rPr>
+              <a:t/>
+            </a:r>
+            <a:br>
+              <a:rPr lang="en-US" altLang="ko-KR" dirty="0">
+                <a:ln w="0"/>
+                <a:solidFill>
+                  <a:srgbClr val="FF0000"/>
+                </a:solidFill>
+                <a:effectLst>
+                  <a:outerShdw blurRad="38100" dist="19050" dir="2700000" algn="tl" rotWithShape="0">
+                    <a:schemeClr val="dk1">
+                      <a:alpha val="40000"/>
+                    </a:schemeClr>
+                  </a:outerShdw>
+                </a:effectLst>
+              </a:rPr>
+            </a:br>
+            <a:endParaRPr lang="en-US" altLang="ko-KR" dirty="0">
+              <a:ln w="0"/>
+              <a:solidFill>
+                <a:srgbClr val="FF0000"/>
+              </a:solidFill>
+              <a:effectLst>
+                <a:outerShdw blurRad="38100" dist="19050" dir="2700000" algn="tl" rotWithShape="0">
+                  <a:schemeClr val="dk1">
+                    <a:alpha val="40000"/>
+                  </a:schemeClr>
+                </a:outerShdw>
+              </a:effectLst>
+            </a:endParaRPr>
+          </a:p>
+          <a:p>
+            <a:r>
+              <a:rPr lang="en-US" altLang="ko-KR" dirty="0">
+                <a:ln w="0"/>
+                <a:solidFill>
+                  <a:srgbClr val="FF0000"/>
+                </a:solidFill>
+                <a:effectLst>
+                  <a:outerShdw blurRad="38100" dist="19050" dir="2700000" algn="tl" rotWithShape="0">
+                    <a:schemeClr val="dk1">
+                      <a:alpha val="40000"/>
+                    </a:schemeClr>
+                  </a:outerShdw>
+                </a:effectLst>
+              </a:rPr>
+              <a:t>import lombok.extern.slf4j.Slf4j;</a:t>
+            </a:r>
+          </a:p>
+          <a:p>
+            <a:r>
+              <a:rPr lang="en-US" altLang="ko-KR" dirty="0">
+                <a:ln w="0"/>
+                <a:solidFill>
+                  <a:srgbClr val="FF0000"/>
+                </a:solidFill>
+                <a:effectLst>
+                  <a:outerShdw blurRad="38100" dist="19050" dir="2700000" algn="tl" rotWithShape="0">
+                    <a:schemeClr val="dk1">
+                      <a:alpha val="40000"/>
+                    </a:schemeClr>
+                  </a:outerShdw>
+                </a:effectLst>
+              </a:rPr>
+              <a:t/>
+            </a:r>
+            <a:br>
+              <a:rPr lang="en-US" altLang="ko-KR" dirty="0">
+                <a:ln w="0"/>
+                <a:solidFill>
+                  <a:srgbClr val="FF0000"/>
+                </a:solidFill>
+                <a:effectLst>
+                  <a:outerShdw blurRad="38100" dist="19050" dir="2700000" algn="tl" rotWithShape="0">
+                    <a:schemeClr val="dk1">
+                      <a:alpha val="40000"/>
+                    </a:schemeClr>
+                  </a:outerShdw>
+                </a:effectLst>
+              </a:rPr>
+            </a:br>
+            <a:endParaRPr lang="en-US" altLang="ko-KR" dirty="0">
+              <a:ln w="0"/>
+              <a:solidFill>
+                <a:srgbClr val="FF0000"/>
+              </a:solidFill>
+              <a:effectLst>
+                <a:outerShdw blurRad="38100" dist="19050" dir="2700000" algn="tl" rotWithShape="0">
+                  <a:schemeClr val="dk1">
+                    <a:alpha val="40000"/>
+                  </a:schemeClr>
+                </a:outerShdw>
+              </a:effectLst>
+            </a:endParaRPr>
+          </a:p>
+          <a:p>
+            <a:r>
+              <a:rPr lang="en-US" altLang="ko-KR" dirty="0">
+                <a:ln w="0"/>
+                <a:solidFill>
+                  <a:schemeClr val="tx1"/>
+                </a:solidFill>
+                <a:effectLst>
+                  <a:outerShdw blurRad="38100" dist="19050" dir="2700000" algn="tl" rotWithShape="0">
+                    <a:schemeClr val="dk1">
+                      <a:alpha val="40000"/>
+                    </a:schemeClr>
+                  </a:outerShdw>
+                </a:effectLst>
+              </a:rPr>
+              <a:t>@</a:t>
+            </a:r>
+            <a:r>
+              <a:rPr lang="en-US" altLang="ko-KR" dirty="0" err="1">
+                <a:ln w="0"/>
+                <a:solidFill>
+                  <a:schemeClr val="tx1"/>
+                </a:solidFill>
+                <a:effectLst>
+                  <a:outerShdw blurRad="38100" dist="19050" dir="2700000" algn="tl" rotWithShape="0">
+                    <a:schemeClr val="dk1">
+                      <a:alpha val="40000"/>
+                    </a:schemeClr>
+                  </a:outerShdw>
+                </a:effectLst>
+              </a:rPr>
+              <a:t>SpringBootApplication</a:t>
+            </a:r>
+            <a:endParaRPr lang="en-US" altLang="ko-KR" dirty="0">
+              <a:ln w="0"/>
+              <a:solidFill>
+                <a:schemeClr val="tx1"/>
+              </a:solidFill>
+              <a:effectLst>
+                <a:outerShdw blurRad="38100" dist="19050" dir="2700000" algn="tl" rotWithShape="0">
+                  <a:schemeClr val="dk1">
+                    <a:alpha val="40000"/>
+                  </a:schemeClr>
+                </a:outerShdw>
+              </a:effectLst>
+            </a:endParaRPr>
+          </a:p>
+          <a:p>
+            <a:r>
+              <a:rPr lang="en-US" altLang="ko-KR" dirty="0">
+                <a:ln w="0"/>
+                <a:solidFill>
+                  <a:srgbClr val="FF0000"/>
+                </a:solidFill>
+                <a:effectLst>
+                  <a:outerShdw blurRad="38100" dist="19050" dir="2700000" algn="tl" rotWithShape="0">
+                    <a:schemeClr val="dk1">
+                      <a:alpha val="40000"/>
+                    </a:schemeClr>
+                  </a:outerShdw>
+                </a:effectLst>
+              </a:rPr>
+              <a:t>@</a:t>
+            </a:r>
+            <a:r>
+              <a:rPr lang="en-US" altLang="ko-KR" dirty="0" err="1">
+                <a:ln w="0"/>
+                <a:solidFill>
+                  <a:srgbClr val="FF0000"/>
+                </a:solidFill>
+                <a:effectLst>
+                  <a:outerShdw blurRad="38100" dist="19050" dir="2700000" algn="tl" rotWithShape="0">
+                    <a:schemeClr val="dk1">
+                      <a:alpha val="40000"/>
+                    </a:schemeClr>
+                  </a:outerShdw>
+                </a:effectLst>
+              </a:rPr>
+              <a:t>EnableJpaAuditing</a:t>
+            </a:r>
+            <a:r>
+              <a:rPr lang="en-US" altLang="ko-KR" dirty="0">
+                <a:ln w="0"/>
+                <a:solidFill>
+                  <a:srgbClr val="FF0000"/>
+                </a:solidFill>
+                <a:effectLst>
+                  <a:outerShdw blurRad="38100" dist="19050" dir="2700000" algn="tl" rotWithShape="0">
+                    <a:schemeClr val="dk1">
+                      <a:alpha val="40000"/>
+                    </a:schemeClr>
+                  </a:outerShdw>
+                </a:effectLst>
+              </a:rPr>
+              <a:t> // JPA Auditing</a:t>
+            </a:r>
+            <a:r>
+              <a:rPr lang="ko-KR" altLang="en-US" dirty="0">
+                <a:ln w="0"/>
+                <a:solidFill>
+                  <a:srgbClr val="FF0000"/>
+                </a:solidFill>
+                <a:effectLst>
+                  <a:outerShdw blurRad="38100" dist="19050" dir="2700000" algn="tl" rotWithShape="0">
+                    <a:schemeClr val="dk1">
+                      <a:alpha val="40000"/>
+                    </a:schemeClr>
+                  </a:outerShdw>
+                </a:effectLst>
+              </a:rPr>
+              <a:t>을 활성화 하기 위한 </a:t>
+            </a:r>
+            <a:r>
+              <a:rPr lang="ko-KR" altLang="en-US" dirty="0" err="1">
+                <a:ln w="0"/>
+                <a:solidFill>
+                  <a:srgbClr val="FF0000"/>
+                </a:solidFill>
+                <a:effectLst>
+                  <a:outerShdw blurRad="38100" dist="19050" dir="2700000" algn="tl" rotWithShape="0">
+                    <a:schemeClr val="dk1">
+                      <a:alpha val="40000"/>
+                    </a:schemeClr>
+                  </a:outerShdw>
+                </a:effectLst>
+              </a:rPr>
+              <a:t>어노테이션</a:t>
+            </a:r>
+            <a:endParaRPr lang="ko-KR" altLang="en-US" dirty="0">
+              <a:ln w="0"/>
+              <a:solidFill>
+                <a:srgbClr val="FF0000"/>
+              </a:solidFill>
+              <a:effectLst>
+                <a:outerShdw blurRad="38100" dist="19050" dir="2700000" algn="tl" rotWithShape="0">
+                  <a:schemeClr val="dk1">
+                    <a:alpha val="40000"/>
+                  </a:schemeClr>
+                </a:outerShdw>
+              </a:effectLst>
+            </a:endParaRPr>
+          </a:p>
+          <a:p>
+            <a:r>
+              <a:rPr lang="en-US" altLang="ko-KR" dirty="0">
+                <a:ln w="0"/>
+                <a:solidFill>
+                  <a:srgbClr val="FF0000"/>
+                </a:solidFill>
+                <a:effectLst>
+                  <a:outerShdw blurRad="38100" dist="19050" dir="2700000" algn="tl" rotWithShape="0">
+                    <a:schemeClr val="dk1">
+                      <a:alpha val="40000"/>
+                    </a:schemeClr>
+                  </a:outerShdw>
+                </a:effectLst>
+              </a:rPr>
+              <a:t>@</a:t>
+            </a:r>
+            <a:r>
+              <a:rPr lang="en-US" altLang="ko-KR" dirty="0" err="1">
+                <a:ln w="0"/>
+                <a:solidFill>
+                  <a:srgbClr val="FF0000"/>
+                </a:solidFill>
+                <a:effectLst>
+                  <a:outerShdw blurRad="38100" dist="19050" dir="2700000" algn="tl" rotWithShape="0">
+                    <a:schemeClr val="dk1">
+                      <a:alpha val="40000"/>
+                    </a:schemeClr>
+                  </a:outerShdw>
+                </a:effectLst>
+              </a:rPr>
+              <a:t>EnableFeignClients</a:t>
+            </a:r>
+            <a:endParaRPr lang="en-US" altLang="ko-KR" dirty="0">
+              <a:ln w="0"/>
+              <a:solidFill>
+                <a:srgbClr val="FF0000"/>
+              </a:solidFill>
+              <a:effectLst>
+                <a:outerShdw blurRad="38100" dist="19050" dir="2700000" algn="tl" rotWithShape="0">
+                  <a:schemeClr val="dk1">
+                    <a:alpha val="40000"/>
+                  </a:schemeClr>
+                </a:outerShdw>
+              </a:effectLst>
+            </a:endParaRPr>
+          </a:p>
+          <a:p>
+            <a:r>
+              <a:rPr lang="en-US" altLang="ko-KR" u="sng" dirty="0">
+                <a:ln w="0"/>
+                <a:solidFill>
+                  <a:srgbClr val="FF0000"/>
+                </a:solidFill>
+                <a:effectLst>
+                  <a:outerShdw blurRad="38100" dist="19050" dir="2700000" algn="tl" rotWithShape="0">
+                    <a:schemeClr val="dk1">
+                      <a:alpha val="40000"/>
+                    </a:schemeClr>
+                  </a:outerShdw>
+                </a:effectLst>
+              </a:rPr>
+              <a:t>@</a:t>
+            </a:r>
+            <a:r>
+              <a:rPr lang="en-US" altLang="ko-KR" u="sng" dirty="0" smtClean="0">
+                <a:ln w="0"/>
+                <a:solidFill>
+                  <a:srgbClr val="FF0000"/>
+                </a:solidFill>
+                <a:effectLst>
+                  <a:outerShdw blurRad="38100" dist="19050" dir="2700000" algn="tl" rotWithShape="0">
+                    <a:schemeClr val="dk1">
+                      <a:alpha val="40000"/>
+                    </a:schemeClr>
+                  </a:outerShdw>
+                </a:effectLst>
+              </a:rPr>
+              <a:t>Slf4j</a:t>
+            </a:r>
+          </a:p>
+          <a:p>
+            <a:r>
+              <a:rPr lang="en-US" altLang="ko-KR" b="1" dirty="0">
+                <a:solidFill>
+                  <a:schemeClr val="tx1"/>
+                </a:solidFill>
+              </a:rPr>
+              <a:t>public</a:t>
+            </a:r>
+            <a:r>
+              <a:rPr lang="en-US" altLang="ko-KR" dirty="0">
+                <a:solidFill>
+                  <a:schemeClr val="tx1"/>
+                </a:solidFill>
+              </a:rPr>
+              <a:t> </a:t>
+            </a:r>
+            <a:r>
+              <a:rPr lang="en-US" altLang="ko-KR" b="1" dirty="0">
+                <a:solidFill>
+                  <a:schemeClr val="tx1"/>
+                </a:solidFill>
+              </a:rPr>
+              <a:t>class</a:t>
+            </a:r>
+            <a:r>
+              <a:rPr lang="en-US" altLang="ko-KR" dirty="0">
+                <a:solidFill>
+                  <a:schemeClr val="tx1"/>
+                </a:solidFill>
+              </a:rPr>
+              <a:t> </a:t>
+            </a:r>
+            <a:r>
+              <a:rPr lang="en-US" altLang="ko-KR" dirty="0" err="1">
+                <a:solidFill>
+                  <a:schemeClr val="tx1"/>
+                </a:solidFill>
+              </a:rPr>
+              <a:t>HelperApplication</a:t>
+            </a:r>
+            <a:r>
+              <a:rPr lang="en-US" altLang="ko-KR" dirty="0">
+                <a:solidFill>
+                  <a:schemeClr val="tx1"/>
+                </a:solidFill>
+              </a:rPr>
+              <a:t> </a:t>
+            </a:r>
+            <a:r>
+              <a:rPr lang="en-US" altLang="ko-KR" dirty="0" smtClean="0">
+                <a:solidFill>
+                  <a:schemeClr val="tx1"/>
+                </a:solidFill>
+              </a:rPr>
+              <a:t>{</a:t>
+            </a:r>
+            <a:endParaRPr lang="en-US" altLang="ko-KR" dirty="0">
+              <a:solidFill>
+                <a:schemeClr val="tx1"/>
+              </a:solidFill>
+            </a:endParaRPr>
+          </a:p>
+        </p:txBody>
+      </p:sp>
+    </p:spTree>
+    <p:extLst>
+      <p:ext uri="{BB962C8B-B14F-4D97-AF65-F5344CB8AC3E}">
+        <p14:creationId xmlns:p14="http://schemas.microsoft.com/office/powerpoint/2010/main" val="2055876035"/>
+      </p:ext>
+    </p:extLst>
+  </p:cSld>
+  <p:clrMapOvr>
+    <a:masterClrMapping/>
+  </p:clrMapOvr>
+</p:sld>
+</file>
+
+<file path=ppt/slides/slide13.xml><?xml version="1.0" encoding="utf-8"?>
+<p:sld xmlns:a="http://schemas.openxmlformats.org/drawingml/2006/main" xmlns:r="http://schemas.openxmlformats.org/officeDocument/2006/relationships" xmlns:p="http://schemas.openxmlformats.org/presentationml/2006/main">
+  <p:cSld>
+    <p:spTree>
+      <p:nvGrpSpPr>
+        <p:cNvPr id="1" name=""/>
+        <p:cNvGrpSpPr/>
+        <p:nvPr/>
+      </p:nvGrpSpPr>
+      <p:grpSpPr>
+        <a:xfrm>
+          <a:off x="0" y="0"/>
+          <a:ext cx="0" cy="0"/>
+          <a:chOff x="0" y="0"/>
+          <a:chExt cx="0" cy="0"/>
+        </a:xfrm>
+      </p:grpSpPr>
+      <p:sp>
+        <p:nvSpPr>
+          <p:cNvPr id="2" name="제목 1"/>
+          <p:cNvSpPr>
+            <a:spLocks noGrp="1"/>
+          </p:cNvSpPr>
+          <p:nvPr>
+            <p:ph type="title"/>
+          </p:nvPr>
+        </p:nvSpPr>
+        <p:spPr/>
+        <p:txBody>
+          <a:bodyPr/>
+          <a:lstStyle/>
+          <a:p>
+            <a:r>
+              <a:rPr lang="ko-KR" altLang="en-US" dirty="0"/>
+              <a:t>프로젝트 생성</a:t>
+            </a:r>
+            <a:r>
+              <a:rPr lang="en-US" altLang="ko-KR" dirty="0" smtClean="0"/>
+              <a:t>(9)</a:t>
+            </a:r>
+            <a:endParaRPr lang="ko-KR" altLang="en-US" dirty="0"/>
+          </a:p>
+        </p:txBody>
+      </p:sp>
+      <p:sp>
+        <p:nvSpPr>
+          <p:cNvPr id="3" name="내용 개체 틀 2"/>
+          <p:cNvSpPr>
+            <a:spLocks noGrp="1"/>
+          </p:cNvSpPr>
+          <p:nvPr>
+            <p:ph idx="1"/>
+          </p:nvPr>
+        </p:nvSpPr>
+        <p:spPr/>
+        <p:txBody>
+          <a:bodyPr/>
+          <a:lstStyle/>
+          <a:p>
+            <a:r>
+              <a:rPr lang="en-US" altLang="ko-KR" dirty="0" smtClean="0"/>
+              <a:t>OpenApiConfig.java</a:t>
+            </a:r>
+            <a:r>
+              <a:rPr lang="ko-KR" altLang="en-US" dirty="0" smtClean="0"/>
+              <a:t>작성</a:t>
+            </a:r>
+            <a:endParaRPr lang="en-US" altLang="ko-KR" dirty="0" smtClean="0"/>
+          </a:p>
+          <a:p>
+            <a:pPr lvl="1"/>
+            <a:r>
+              <a:rPr lang="en-US" altLang="ko-KR" dirty="0" smtClean="0"/>
+              <a:t>member service</a:t>
+            </a:r>
+            <a:r>
+              <a:rPr lang="ko-KR" altLang="en-US" dirty="0" smtClean="0"/>
+              <a:t>의 </a:t>
+            </a:r>
+            <a:r>
+              <a:rPr lang="en-US" altLang="ko-KR" dirty="0" smtClean="0"/>
+              <a:t>OpenApiConfig.java File</a:t>
+            </a:r>
+            <a:r>
+              <a:rPr lang="ko-KR" altLang="en-US" dirty="0" smtClean="0"/>
+              <a:t>를 복사하여  </a:t>
+            </a:r>
+            <a:r>
+              <a:rPr lang="ko-KR" altLang="en-US" dirty="0" err="1" smtClean="0"/>
+              <a:t>붙여넣기</a:t>
+            </a:r>
+            <a:endParaRPr lang="en-US" altLang="ko-KR" dirty="0" smtClean="0"/>
+          </a:p>
+          <a:p>
+            <a:pPr lvl="1"/>
+            <a:r>
+              <a:rPr lang="ko-KR" altLang="en-US" dirty="0" smtClean="0"/>
+              <a:t>내용수정</a:t>
+            </a:r>
+            <a:endParaRPr lang="en-US" altLang="ko-KR" dirty="0" smtClean="0"/>
+          </a:p>
+          <a:p>
+            <a:pPr lvl="2"/>
+            <a:r>
+              <a:rPr lang="en-US" altLang="ko-KR" dirty="0"/>
+              <a:t>* </a:t>
+            </a:r>
+            <a:r>
+              <a:rPr lang="en-US" altLang="ko-KR" b="1" dirty="0"/>
+              <a:t>@</a:t>
+            </a:r>
+            <a:r>
+              <a:rPr lang="en-US" altLang="ko-KR" b="1" dirty="0" err="1"/>
+              <a:t>packageName</a:t>
+            </a:r>
+            <a:r>
+              <a:rPr lang="en-US" altLang="ko-KR" dirty="0"/>
+              <a:t> : </a:t>
+            </a:r>
+            <a:r>
+              <a:rPr lang="en-US" altLang="ko-KR" dirty="0" err="1" smtClean="0"/>
+              <a:t>com.caremoa.</a:t>
+            </a:r>
+            <a:r>
+              <a:rPr lang="en-US" altLang="ko-KR" dirty="0" err="1" smtClean="0">
+                <a:solidFill>
+                  <a:srgbClr val="FF0000"/>
+                </a:solidFill>
+              </a:rPr>
+              <a:t>member</a:t>
+            </a:r>
+            <a:r>
+              <a:rPr lang="en-US" altLang="ko-KR" dirty="0" err="1" smtClean="0"/>
+              <a:t>.app.config</a:t>
+            </a:r>
+            <a:r>
+              <a:rPr lang="en-US" altLang="ko-KR" dirty="0" smtClean="0"/>
+              <a:t> </a:t>
+            </a:r>
+            <a:r>
+              <a:rPr lang="ko-KR" altLang="en-US" dirty="0" smtClean="0"/>
+              <a:t>수정</a:t>
+            </a:r>
+            <a:endParaRPr lang="en-US" altLang="ko-KR" dirty="0"/>
+          </a:p>
+          <a:p>
+            <a:pPr marL="914400" lvl="2" indent="0">
+              <a:buNone/>
+            </a:pPr>
+            <a:r>
+              <a:rPr lang="en-US" altLang="ko-KR" dirty="0" smtClean="0">
+                <a:sym typeface="Wingdings" panose="05000000000000000000" pitchFamily="2" charset="2"/>
+              </a:rPr>
+              <a:t>         </a:t>
+            </a:r>
+            <a:r>
+              <a:rPr lang="en-US" altLang="ko-KR" dirty="0" smtClean="0">
+                <a:solidFill>
+                  <a:srgbClr val="0000FF"/>
+                </a:solidFill>
+              </a:rPr>
+              <a:t>helper / contract / payment / claim / settlement / review</a:t>
+            </a:r>
+          </a:p>
+          <a:p>
+            <a:pPr lvl="2">
+              <a:buFont typeface="+mj-lt"/>
+              <a:buAutoNum type="alphaLcPeriod" startAt="2"/>
+            </a:pPr>
+            <a:r>
+              <a:rPr lang="en-US" altLang="ko-KR" dirty="0" smtClean="0"/>
+              <a:t>// </a:t>
+            </a:r>
+            <a:r>
+              <a:rPr lang="en-US" altLang="ko-KR" dirty="0" err="1" smtClean="0"/>
+              <a:t>packagesToScan</a:t>
+            </a:r>
+            <a:r>
+              <a:rPr lang="en-US" altLang="ko-KR" dirty="0"/>
+              <a:t>("</a:t>
+            </a:r>
+            <a:r>
+              <a:rPr lang="en-US" altLang="ko-KR" dirty="0" err="1"/>
+              <a:t>com.caremoa.</a:t>
+            </a:r>
+            <a:r>
+              <a:rPr lang="en-US" altLang="ko-KR" dirty="0" err="1">
+                <a:solidFill>
+                  <a:srgbClr val="FF0000"/>
+                </a:solidFill>
+              </a:rPr>
+              <a:t>member</a:t>
+            </a:r>
+            <a:r>
+              <a:rPr lang="en-US" altLang="ko-KR" dirty="0" err="1"/>
+              <a:t>.controller</a:t>
+            </a:r>
+            <a:r>
+              <a:rPr lang="en-US" altLang="ko-KR" dirty="0"/>
+              <a:t>").build</a:t>
+            </a:r>
+            <a:r>
+              <a:rPr lang="en-US" altLang="ko-KR" dirty="0" smtClean="0"/>
+              <a:t>();</a:t>
+            </a:r>
+          </a:p>
+          <a:p>
+            <a:pPr lvl="1">
+              <a:buFont typeface="+mj-lt"/>
+              <a:buAutoNum type="arabicPeriod"/>
+            </a:pPr>
+            <a:r>
+              <a:rPr lang="ko-KR" altLang="en-US" dirty="0" smtClean="0"/>
+              <a:t>저장</a:t>
+            </a:r>
+            <a:endParaRPr lang="en-US" altLang="ko-KR" dirty="0" smtClean="0"/>
+          </a:p>
+          <a:p>
+            <a:pPr marL="914400" lvl="2" indent="0">
+              <a:buNone/>
+            </a:pPr>
+            <a:endParaRPr lang="ko-KR" altLang="en-US" dirty="0"/>
+          </a:p>
+        </p:txBody>
+      </p:sp>
+    </p:spTree>
+    <p:extLst>
+      <p:ext uri="{BB962C8B-B14F-4D97-AF65-F5344CB8AC3E}">
+        <p14:creationId xmlns:p14="http://schemas.microsoft.com/office/powerpoint/2010/main" val="3939693166"/>
+      </p:ext>
+    </p:extLst>
+  </p:cSld>
+  <p:clrMapOvr>
+    <a:masterClrMapping/>
+  </p:clrMapOvr>
+</p:sld>
+</file>
+
+<file path=ppt/slides/slide14.xml><?xml version="1.0" encoding="utf-8"?>
+<p:sld xmlns:a="http://schemas.openxmlformats.org/drawingml/2006/main" xmlns:r="http://schemas.openxmlformats.org/officeDocument/2006/relationships" xmlns:p="http://schemas.openxmlformats.org/presentationml/2006/main">
+  <p:cSld>
+    <p:spTree>
+      <p:nvGrpSpPr>
+        <p:cNvPr id="1" name=""/>
+        <p:cNvGrpSpPr/>
+        <p:nvPr/>
+      </p:nvGrpSpPr>
+      <p:grpSpPr>
+        <a:xfrm>
+          <a:off x="0" y="0"/>
+          <a:ext cx="0" cy="0"/>
+          <a:chOff x="0" y="0"/>
+          <a:chExt cx="0" cy="0"/>
+        </a:xfrm>
+      </p:grpSpPr>
+      <p:sp>
+        <p:nvSpPr>
+          <p:cNvPr id="2" name="제목 1"/>
+          <p:cNvSpPr>
+            <a:spLocks noGrp="1"/>
+          </p:cNvSpPr>
+          <p:nvPr>
+            <p:ph type="title"/>
+          </p:nvPr>
+        </p:nvSpPr>
+        <p:spPr/>
+        <p:txBody>
+          <a:bodyPr/>
+          <a:lstStyle/>
+          <a:p>
+            <a:r>
+              <a:rPr lang="ko-KR" altLang="en-US" dirty="0"/>
+              <a:t>프로젝트 생성</a:t>
+            </a:r>
+            <a:r>
+              <a:rPr lang="en-US" altLang="ko-KR" dirty="0" smtClean="0"/>
+              <a:t>(10)</a:t>
+            </a:r>
+            <a:endParaRPr lang="ko-KR" altLang="en-US" dirty="0"/>
+          </a:p>
+        </p:txBody>
+      </p:sp>
+      <p:sp>
+        <p:nvSpPr>
+          <p:cNvPr id="3" name="내용 개체 틀 2"/>
+          <p:cNvSpPr>
+            <a:spLocks noGrp="1"/>
+          </p:cNvSpPr>
+          <p:nvPr>
+            <p:ph idx="1"/>
+          </p:nvPr>
+        </p:nvSpPr>
+        <p:spPr/>
+        <p:txBody>
+          <a:bodyPr/>
+          <a:lstStyle/>
+          <a:p>
+            <a:r>
+              <a:rPr lang="en-US" altLang="ko-KR" dirty="0"/>
+              <a:t>e</a:t>
+            </a:r>
+            <a:r>
+              <a:rPr lang="en-US" altLang="ko-KR" dirty="0" smtClean="0"/>
+              <a:t>xception package file</a:t>
+            </a:r>
+            <a:r>
+              <a:rPr lang="ko-KR" altLang="en-US" dirty="0" smtClean="0"/>
+              <a:t>작성</a:t>
+            </a:r>
+            <a:endParaRPr lang="en-US" altLang="ko-KR" dirty="0" smtClean="0"/>
+          </a:p>
+          <a:p>
+            <a:pPr lvl="1"/>
+            <a:r>
+              <a:rPr lang="en-US" altLang="ko-KR" dirty="0" smtClean="0"/>
+              <a:t>member service</a:t>
+            </a:r>
+            <a:r>
+              <a:rPr lang="ko-KR" altLang="en-US" dirty="0" smtClean="0"/>
+              <a:t>의 </a:t>
+            </a:r>
+            <a:r>
+              <a:rPr lang="en-US" altLang="ko-KR" dirty="0" smtClean="0"/>
+              <a:t>exception </a:t>
+            </a:r>
+            <a:r>
+              <a:rPr lang="ko-KR" altLang="en-US" dirty="0" smtClean="0"/>
+              <a:t>디렉토리의 </a:t>
+            </a:r>
+            <a:r>
+              <a:rPr lang="en-US" altLang="ko-KR" dirty="0" smtClean="0"/>
+              <a:t>File</a:t>
+            </a:r>
+            <a:r>
+              <a:rPr lang="ko-KR" altLang="en-US" dirty="0" smtClean="0"/>
+              <a:t>를 복사하여  </a:t>
+            </a:r>
+            <a:r>
+              <a:rPr lang="en-US" altLang="ko-KR" dirty="0"/>
+              <a:t>exception </a:t>
+            </a:r>
+            <a:r>
+              <a:rPr lang="ko-KR" altLang="en-US" dirty="0" smtClean="0"/>
+              <a:t>디렉토리에 </a:t>
+            </a:r>
+            <a:r>
+              <a:rPr lang="ko-KR" altLang="en-US" dirty="0" err="1" smtClean="0"/>
+              <a:t>붙여넣기</a:t>
+            </a:r>
+            <a:endParaRPr lang="en-US" altLang="ko-KR" dirty="0"/>
+          </a:p>
+          <a:p>
+            <a:pPr lvl="2"/>
+            <a:r>
+              <a:rPr lang="en-US" altLang="ko-KR" dirty="0" smtClean="0"/>
+              <a:t>ApiException.java</a:t>
+            </a:r>
+          </a:p>
+          <a:p>
+            <a:pPr lvl="2"/>
+            <a:r>
+              <a:rPr lang="en-US" altLang="ko-KR" dirty="0" smtClean="0"/>
+              <a:t>ErrorResponse.java</a:t>
+            </a:r>
+          </a:p>
+          <a:p>
+            <a:pPr lvl="2"/>
+            <a:r>
+              <a:rPr lang="en-US" altLang="ko-KR" dirty="0" smtClean="0"/>
+              <a:t>FeignErrorDecoder.java</a:t>
+            </a:r>
+          </a:p>
+          <a:p>
+            <a:pPr lvl="2"/>
+            <a:r>
+              <a:rPr lang="en-US" altLang="ko-KR" dirty="0"/>
+              <a:t>GlobalExceptionHandler.java</a:t>
+            </a:r>
+            <a:endParaRPr lang="en-US" altLang="ko-KR" dirty="0" smtClean="0"/>
+          </a:p>
+        </p:txBody>
+      </p:sp>
+    </p:spTree>
+    <p:extLst>
+      <p:ext uri="{BB962C8B-B14F-4D97-AF65-F5344CB8AC3E}">
+        <p14:creationId xmlns:p14="http://schemas.microsoft.com/office/powerpoint/2010/main" val="3290551200"/>
+      </p:ext>
+    </p:extLst>
+  </p:cSld>
+  <p:clrMapOvr>
+    <a:masterClrMapping/>
+  </p:clrMapOvr>
+</p:sld>
+</file>
+
+<file path=ppt/slides/slide15.xml><?xml version="1.0" encoding="utf-8"?>
+<p:sld xmlns:a="http://schemas.openxmlformats.org/drawingml/2006/main" xmlns:r="http://schemas.openxmlformats.org/officeDocument/2006/relationships" xmlns:p="http://schemas.openxmlformats.org/presentationml/2006/main">
+  <p:cSld>
+    <p:spTree>
+      <p:nvGrpSpPr>
+        <p:cNvPr id="1" name=""/>
+        <p:cNvGrpSpPr/>
+        <p:nvPr/>
+      </p:nvGrpSpPr>
+      <p:grpSpPr>
+        <a:xfrm>
+          <a:off x="0" y="0"/>
+          <a:ext cx="0" cy="0"/>
+          <a:chOff x="0" y="0"/>
+          <a:chExt cx="0" cy="0"/>
+        </a:xfrm>
+      </p:grpSpPr>
+      <p:sp>
+        <p:nvSpPr>
+          <p:cNvPr id="2" name="제목 1"/>
+          <p:cNvSpPr>
+            <a:spLocks noGrp="1"/>
+          </p:cNvSpPr>
+          <p:nvPr>
+            <p:ph type="title"/>
+          </p:nvPr>
+        </p:nvSpPr>
+        <p:spPr/>
+        <p:txBody>
+          <a:bodyPr/>
+          <a:lstStyle/>
+          <a:p>
+            <a:r>
+              <a:rPr lang="ko-KR" altLang="en-US" dirty="0" err="1" smtClean="0"/>
+              <a:t>구동확인</a:t>
+            </a:r>
+            <a:endParaRPr lang="ko-KR" altLang="en-US" dirty="0"/>
+          </a:p>
+        </p:txBody>
+      </p:sp>
+      <p:sp>
+        <p:nvSpPr>
+          <p:cNvPr id="3" name="내용 개체 틀 2"/>
+          <p:cNvSpPr>
+            <a:spLocks noGrp="1"/>
+          </p:cNvSpPr>
+          <p:nvPr>
+            <p:ph sz="half" idx="1"/>
+          </p:nvPr>
+        </p:nvSpPr>
+        <p:spPr/>
+        <p:txBody>
+          <a:bodyPr/>
+          <a:lstStyle/>
+          <a:p>
+            <a:r>
+              <a:rPr lang="en-US" altLang="ko-KR" dirty="0" smtClean="0"/>
+              <a:t>Application </a:t>
+            </a:r>
+            <a:r>
+              <a:rPr lang="ko-KR" altLang="en-US" dirty="0" err="1" smtClean="0"/>
+              <a:t>구동확인</a:t>
+            </a:r>
+            <a:endParaRPr lang="en-US" altLang="ko-KR" dirty="0" smtClean="0"/>
+          </a:p>
+          <a:p>
+            <a:pPr lvl="1"/>
+            <a:r>
+              <a:rPr lang="en-US" altLang="ko-KR" dirty="0" smtClean="0"/>
+              <a:t>Spring Dashboard</a:t>
+            </a:r>
+            <a:r>
+              <a:rPr lang="ko-KR" altLang="en-US" dirty="0" smtClean="0"/>
+              <a:t>에서 </a:t>
+            </a:r>
+            <a:r>
+              <a:rPr lang="en-US" altLang="ko-KR" dirty="0" smtClean="0"/>
+              <a:t>helper</a:t>
+            </a:r>
+            <a:r>
+              <a:rPr lang="ko-KR" altLang="en-US" dirty="0" smtClean="0"/>
+              <a:t>를 선택한 후    </a:t>
+            </a:r>
+            <a:endParaRPr lang="en-US" altLang="ko-KR" dirty="0" smtClean="0"/>
+          </a:p>
+          <a:p>
+            <a:pPr marL="457200" lvl="1" indent="0">
+              <a:buNone/>
+            </a:pPr>
+            <a:r>
+              <a:rPr lang="ko-KR" altLang="en-US" dirty="0" smtClean="0"/>
+              <a:t>          </a:t>
+            </a:r>
+            <a:r>
+              <a:rPr lang="ko-KR" altLang="en-US" dirty="0" err="1" smtClean="0"/>
+              <a:t>를</a:t>
+            </a:r>
+            <a:r>
+              <a:rPr lang="ko-KR" altLang="en-US" dirty="0" smtClean="0"/>
+              <a:t> 눌러 </a:t>
+            </a:r>
+            <a:r>
+              <a:rPr lang="en-US" altLang="ko-KR" dirty="0" smtClean="0"/>
+              <a:t>Console </a:t>
+            </a:r>
+            <a:r>
+              <a:rPr lang="ko-KR" altLang="en-US" dirty="0" smtClean="0"/>
+              <a:t>창 확인</a:t>
+            </a:r>
+            <a:endParaRPr lang="en-US" altLang="ko-KR" dirty="0" smtClean="0"/>
+          </a:p>
+          <a:p>
+            <a:pPr lvl="1"/>
+            <a:endParaRPr lang="en-US" altLang="ko-KR" dirty="0"/>
+          </a:p>
+          <a:p>
+            <a:pPr lvl="1"/>
+            <a:endParaRPr lang="en-US" altLang="ko-KR" dirty="0" smtClean="0"/>
+          </a:p>
+          <a:p>
+            <a:pPr lvl="1"/>
+            <a:endParaRPr lang="en-US" altLang="ko-KR" dirty="0"/>
+          </a:p>
+          <a:p>
+            <a:pPr lvl="1"/>
+            <a:endParaRPr lang="en-US" altLang="ko-KR" dirty="0" smtClean="0"/>
+          </a:p>
+          <a:p>
+            <a:pPr lvl="1"/>
+            <a:endParaRPr lang="en-US" altLang="ko-KR" dirty="0"/>
+          </a:p>
+          <a:p>
+            <a:pPr lvl="1"/>
+            <a:endParaRPr lang="en-US" altLang="ko-KR" dirty="0" smtClean="0"/>
+          </a:p>
+          <a:p>
+            <a:pPr lvl="1"/>
+            <a:endParaRPr lang="en-US" altLang="ko-KR" dirty="0"/>
+          </a:p>
+          <a:p>
+            <a:pPr lvl="1"/>
+            <a:endParaRPr lang="en-US" altLang="ko-KR" dirty="0" smtClean="0"/>
+          </a:p>
+          <a:p>
+            <a:pPr lvl="1"/>
+            <a:endParaRPr lang="en-US" altLang="ko-KR" dirty="0"/>
+          </a:p>
+          <a:p>
+            <a:pPr lvl="1"/>
+            <a:endParaRPr lang="en-US" altLang="ko-KR" dirty="0" smtClean="0"/>
+          </a:p>
+          <a:p>
+            <a:pPr lvl="1"/>
+            <a:endParaRPr lang="en-US" altLang="ko-KR" dirty="0"/>
+          </a:p>
+          <a:p>
+            <a:endParaRPr lang="ko-KR" altLang="en-US" dirty="0"/>
+          </a:p>
+        </p:txBody>
+      </p:sp>
+      <p:sp>
+        <p:nvSpPr>
+          <p:cNvPr id="10" name="내용 개체 틀 9"/>
+          <p:cNvSpPr>
+            <a:spLocks noGrp="1"/>
+          </p:cNvSpPr>
+          <p:nvPr>
+            <p:ph sz="half" idx="2"/>
+          </p:nvPr>
+        </p:nvSpPr>
+        <p:spPr/>
+        <p:txBody>
+          <a:bodyPr/>
+          <a:lstStyle/>
+          <a:p>
+            <a:endParaRPr lang="en-US" altLang="ko-KR" dirty="0" smtClean="0"/>
+          </a:p>
+          <a:p>
+            <a:pPr lvl="1">
+              <a:buFont typeface="+mj-lt"/>
+              <a:buAutoNum type="arabicPeriod" startAt="2"/>
+            </a:pPr>
+            <a:r>
+              <a:rPr lang="en-US" altLang="ko-KR" dirty="0"/>
+              <a:t>http://localhost:8082/helper/swagger-ui.html</a:t>
+            </a:r>
+            <a:r>
+              <a:rPr lang="ko-KR" altLang="en-US" dirty="0"/>
+              <a:t> </a:t>
+            </a:r>
+            <a:r>
+              <a:rPr lang="ko-KR" altLang="en-US" dirty="0" err="1" smtClean="0"/>
+              <a:t>접속시</a:t>
+            </a:r>
+            <a:r>
+              <a:rPr lang="ko-KR" altLang="en-US" dirty="0" smtClean="0"/>
+              <a:t> 아래와 같이 뜨면 정상</a:t>
+            </a:r>
+            <a:endParaRPr lang="en-US" altLang="ko-KR" dirty="0"/>
+          </a:p>
+          <a:p>
+            <a:endParaRPr lang="ko-KR" altLang="en-US" dirty="0"/>
+          </a:p>
+        </p:txBody>
+      </p:sp>
+      <p:pic>
+        <p:nvPicPr>
+          <p:cNvPr id="4" name="그림 3"/>
+          <p:cNvPicPr>
+            <a:picLocks noChangeAspect="1"/>
+          </p:cNvPicPr>
+          <p:nvPr/>
+        </p:nvPicPr>
+        <p:blipFill>
+          <a:blip r:embed="rId2"/>
+          <a:stretch>
+            <a:fillRect/>
+          </a:stretch>
+        </p:blipFill>
+        <p:spPr>
+          <a:xfrm>
+            <a:off x="1706770" y="1925723"/>
+            <a:ext cx="4313819" cy="2754292"/>
+          </a:xfrm>
+          <a:prstGeom prst="rect">
+            <a:avLst/>
+          </a:prstGeom>
+        </p:spPr>
+      </p:pic>
+      <p:sp>
+        <p:nvSpPr>
+          <p:cNvPr id="5" name="직사각형 4"/>
+          <p:cNvSpPr/>
+          <p:nvPr/>
+        </p:nvSpPr>
+        <p:spPr>
+          <a:xfrm>
+            <a:off x="1760263" y="3553726"/>
+            <a:ext cx="506363" cy="142875"/>
+          </a:xfrm>
+          <a:prstGeom prst="rect">
+            <a:avLst/>
+          </a:prstGeom>
+          <a:noFill/>
+          <a:ln w="38100">
+            <a:solidFill>
+              <a:srgbClr val="FF0000"/>
+            </a:solidFill>
+          </a:ln>
+        </p:spPr>
+        <p:style>
+          <a:lnRef idx="2">
+            <a:schemeClr val="accent1">
+              <a:shade val="50000"/>
+            </a:schemeClr>
+          </a:lnRef>
+          <a:fillRef idx="1">
+            <a:schemeClr val="accent1"/>
+          </a:fillRef>
+          <a:effectRef idx="0">
+            <a:schemeClr val="accent1"/>
+          </a:effectRef>
+          <a:fontRef idx="minor">
+            <a:schemeClr val="lt1"/>
+          </a:fontRef>
+        </p:style>
+        <p:txBody>
+          <a:bodyPr rtlCol="0" anchor="ctr"/>
+          <a:lstStyle/>
+          <a:p>
+            <a:pPr algn="ctr"/>
+            <a:endParaRPr lang="ko-KR" altLang="en-US"/>
+          </a:p>
+        </p:txBody>
+      </p:sp>
+      <p:sp>
+        <p:nvSpPr>
+          <p:cNvPr id="7" name="직사각형 6"/>
+          <p:cNvSpPr/>
+          <p:nvPr/>
+        </p:nvSpPr>
+        <p:spPr>
+          <a:xfrm>
+            <a:off x="1733855" y="3157988"/>
+            <a:ext cx="156735" cy="144881"/>
+          </a:xfrm>
+          <a:prstGeom prst="rect">
+            <a:avLst/>
+          </a:prstGeom>
+          <a:noFill/>
+          <a:ln w="38100">
+            <a:solidFill>
+              <a:srgbClr val="FF0000"/>
+            </a:solidFill>
+          </a:ln>
+        </p:spPr>
+        <p:style>
+          <a:lnRef idx="2">
+            <a:schemeClr val="accent1">
+              <a:shade val="50000"/>
+            </a:schemeClr>
+          </a:lnRef>
+          <a:fillRef idx="1">
+            <a:schemeClr val="accent1"/>
+          </a:fillRef>
+          <a:effectRef idx="0">
+            <a:schemeClr val="accent1"/>
+          </a:effectRef>
+          <a:fontRef idx="minor">
+            <a:schemeClr val="lt1"/>
+          </a:fontRef>
+        </p:style>
+        <p:txBody>
+          <a:bodyPr rtlCol="0" anchor="ctr"/>
+          <a:lstStyle/>
+          <a:p>
+            <a:pPr algn="ctr"/>
+            <a:endParaRPr lang="ko-KR" altLang="en-US"/>
+          </a:p>
+        </p:txBody>
+      </p:sp>
+      <p:pic>
+        <p:nvPicPr>
+          <p:cNvPr id="8" name="그림 7"/>
+          <p:cNvPicPr>
+            <a:picLocks noChangeAspect="1"/>
+          </p:cNvPicPr>
+          <p:nvPr/>
+        </p:nvPicPr>
+        <p:blipFill>
+          <a:blip r:embed="rId3"/>
+          <a:stretch>
+            <a:fillRect/>
+          </a:stretch>
+        </p:blipFill>
+        <p:spPr>
+          <a:xfrm>
+            <a:off x="1812223" y="1604852"/>
+            <a:ext cx="243725" cy="195374"/>
+          </a:xfrm>
+          <a:prstGeom prst="rect">
+            <a:avLst/>
+          </a:prstGeom>
+        </p:spPr>
+      </p:pic>
+      <p:sp>
+        <p:nvSpPr>
+          <p:cNvPr id="9" name="직사각형 8"/>
+          <p:cNvSpPr/>
+          <p:nvPr/>
+        </p:nvSpPr>
+        <p:spPr>
+          <a:xfrm>
+            <a:off x="2438400" y="2380917"/>
+            <a:ext cx="3582190" cy="2354242"/>
+          </a:xfrm>
+          <a:prstGeom prst="rect">
+            <a:avLst/>
+          </a:prstGeom>
+          <a:noFill/>
+          <a:ln w="38100">
+            <a:solidFill>
+              <a:srgbClr val="FF0000"/>
+            </a:solidFill>
+          </a:ln>
+        </p:spPr>
+        <p:style>
+          <a:lnRef idx="2">
+            <a:schemeClr val="accent1">
+              <a:shade val="50000"/>
+            </a:schemeClr>
+          </a:lnRef>
+          <a:fillRef idx="1">
+            <a:schemeClr val="accent1"/>
+          </a:fillRef>
+          <a:effectRef idx="0">
+            <a:schemeClr val="accent1"/>
+          </a:effectRef>
+          <a:fontRef idx="minor">
+            <a:schemeClr val="lt1"/>
+          </a:fontRef>
+        </p:style>
+        <p:txBody>
+          <a:bodyPr rtlCol="0" anchor="ctr"/>
+          <a:lstStyle/>
+          <a:p>
+            <a:pPr algn="ctr"/>
+            <a:endParaRPr lang="ko-KR" altLang="en-US"/>
+          </a:p>
+        </p:txBody>
+      </p:sp>
+      <p:pic>
+        <p:nvPicPr>
+          <p:cNvPr id="13" name="그림 12"/>
+          <p:cNvPicPr>
+            <a:picLocks noChangeAspect="1"/>
+          </p:cNvPicPr>
+          <p:nvPr/>
+        </p:nvPicPr>
+        <p:blipFill>
+          <a:blip r:embed="rId4"/>
+          <a:stretch>
+            <a:fillRect/>
+          </a:stretch>
+        </p:blipFill>
+        <p:spPr>
+          <a:xfrm>
+            <a:off x="6751430" y="1882181"/>
+            <a:ext cx="4565878" cy="3503312"/>
+          </a:xfrm>
+          <a:prstGeom prst="rect">
+            <a:avLst/>
+          </a:prstGeom>
+        </p:spPr>
+      </p:pic>
+    </p:spTree>
+    <p:extLst>
+      <p:ext uri="{BB962C8B-B14F-4D97-AF65-F5344CB8AC3E}">
+        <p14:creationId xmlns:p14="http://schemas.microsoft.com/office/powerpoint/2010/main" val="1877598641"/>
+      </p:ext>
+    </p:extLst>
+  </p:cSld>
+  <p:clrMapOvr>
+    <a:masterClrMapping/>
+  </p:clrMapOvr>
+</p:sld>
+</file>
+
 <file path=ppt/slides/slide2.xml><?xml version="1.0" encoding="utf-8"?>
 <p:sld xmlns:a="http://schemas.openxmlformats.org/drawingml/2006/main" xmlns:r="http://schemas.openxmlformats.org/officeDocument/2006/relationships" xmlns:p="http://schemas.openxmlformats.org/presentationml/2006/main">
   <p:cSld>
@@ -3881,41 +6390,61 @@
           <a:p>
             <a:pPr lvl="1"/>
             <a:r>
-              <a:rPr lang="en-US" altLang="ko-KR" dirty="0" smtClean="0"/>
-              <a:t>Eclipse</a:t>
-            </a:r>
-            <a:r>
-              <a:rPr lang="ko-KR" altLang="en-US" dirty="0" smtClean="0"/>
-              <a:t>설치</a:t>
+              <a:rPr lang="en-US" altLang="ko-KR" dirty="0" err="1"/>
+              <a:t>Git</a:t>
+            </a:r>
+            <a:r>
+              <a:rPr lang="en-US" altLang="ko-KR" dirty="0"/>
+              <a:t> </a:t>
+            </a:r>
+            <a:r>
+              <a:rPr lang="en-US" altLang="ko-KR" dirty="0" err="1"/>
+              <a:t>CareMoa</a:t>
+            </a:r>
+            <a:r>
+              <a:rPr lang="en-US" altLang="ko-KR" dirty="0"/>
+              <a:t> Project </a:t>
+            </a:r>
+            <a:r>
+              <a:rPr lang="ko-KR" altLang="en-US" dirty="0" smtClean="0"/>
+              <a:t>가져오기</a:t>
             </a:r>
             <a:endParaRPr lang="en-US" altLang="ko-KR" dirty="0" smtClean="0"/>
           </a:p>
           <a:p>
             <a:pPr lvl="1"/>
             <a:r>
-              <a:rPr lang="en-US" altLang="ko-KR" dirty="0" smtClean="0"/>
-              <a:t>Eclipse</a:t>
-            </a:r>
-            <a:r>
-              <a:rPr lang="ko-KR" altLang="en-US" dirty="0" smtClean="0"/>
-              <a:t>설정</a:t>
+              <a:rPr lang="en-US" altLang="ko-KR" dirty="0" err="1"/>
+              <a:t>Git</a:t>
+            </a:r>
+            <a:r>
+              <a:rPr lang="en-US" altLang="ko-KR" dirty="0"/>
+              <a:t> Clone Project </a:t>
+            </a:r>
+            <a:r>
+              <a:rPr lang="ko-KR" altLang="en-US" dirty="0"/>
+              <a:t>반영 </a:t>
             </a:r>
             <a:endParaRPr lang="en-US" altLang="ko-KR" dirty="0" smtClean="0"/>
           </a:p>
           <a:p>
             <a:pPr lvl="1"/>
             <a:r>
-              <a:rPr lang="en-US" altLang="ko-KR" dirty="0" smtClean="0"/>
-              <a:t>STS Plugin</a:t>
-            </a:r>
-            <a:r>
-              <a:rPr lang="ko-KR" altLang="en-US" dirty="0" smtClean="0"/>
-              <a:t>설치</a:t>
+              <a:rPr lang="ko-KR" altLang="en-US" dirty="0"/>
+              <a:t>프로젝트 </a:t>
+            </a:r>
+            <a:r>
+              <a:rPr lang="ko-KR" altLang="en-US" dirty="0" smtClean="0"/>
+              <a:t>생성</a:t>
             </a:r>
             <a:endParaRPr lang="en-US" altLang="ko-KR" dirty="0" smtClean="0"/>
           </a:p>
           <a:p>
             <a:pPr lvl="1"/>
+            <a:r>
+              <a:rPr lang="ko-KR" altLang="en-US" dirty="0" err="1"/>
+              <a:t>구동확인</a:t>
+            </a:r>
             <a:endParaRPr lang="en-US" altLang="ko-KR" dirty="0" smtClean="0"/>
           </a:p>
           <a:p>
@@ -3956,6 +6485,1800 @@
       </p:grpSpPr>
       <p:sp>
         <p:nvSpPr>
+          <p:cNvPr id="2" name="제목 1"/>
+          <p:cNvSpPr>
+            <a:spLocks noGrp="1"/>
+          </p:cNvSpPr>
+          <p:nvPr>
+            <p:ph type="title"/>
+          </p:nvPr>
+        </p:nvSpPr>
+        <p:spPr/>
+        <p:txBody>
+          <a:bodyPr/>
+          <a:lstStyle/>
+          <a:p>
+            <a:r>
+              <a:rPr lang="en-US" altLang="ko-KR" dirty="0" err="1" smtClean="0"/>
+              <a:t>Git</a:t>
+            </a:r>
+            <a:r>
+              <a:rPr lang="en-US" altLang="ko-KR" dirty="0" smtClean="0"/>
+              <a:t> </a:t>
+            </a:r>
+            <a:r>
+              <a:rPr lang="en-US" altLang="ko-KR" dirty="0" err="1" smtClean="0"/>
+              <a:t>CareMoa</a:t>
+            </a:r>
+            <a:r>
+              <a:rPr lang="en-US" altLang="ko-KR" dirty="0" smtClean="0"/>
+              <a:t> Project </a:t>
+            </a:r>
+            <a:r>
+              <a:rPr lang="ko-KR" altLang="en-US" dirty="0" smtClean="0"/>
+              <a:t>가져오기</a:t>
+            </a:r>
+            <a:endParaRPr lang="ko-KR" altLang="en-US" dirty="0"/>
+          </a:p>
+        </p:txBody>
+      </p:sp>
+      <p:sp>
+        <p:nvSpPr>
+          <p:cNvPr id="3" name="내용 개체 틀 2"/>
+          <p:cNvSpPr>
+            <a:spLocks noGrp="1"/>
+          </p:cNvSpPr>
+          <p:nvPr>
+            <p:ph idx="1"/>
+          </p:nvPr>
+        </p:nvSpPr>
+        <p:spPr/>
+        <p:txBody>
+          <a:bodyPr/>
+          <a:lstStyle/>
+          <a:p>
+            <a:r>
+              <a:rPr lang="en-US" altLang="ko-KR" dirty="0" err="1"/>
+              <a:t>Git</a:t>
+            </a:r>
+            <a:r>
+              <a:rPr lang="en-US" altLang="ko-KR" dirty="0"/>
+              <a:t> </a:t>
+            </a:r>
+            <a:r>
+              <a:rPr lang="en-US" altLang="ko-KR" dirty="0" err="1"/>
+              <a:t>CareMoa</a:t>
+            </a:r>
+            <a:r>
+              <a:rPr lang="en-US" altLang="ko-KR" dirty="0"/>
+              <a:t> Clone</a:t>
+            </a:r>
+            <a:endParaRPr lang="en-US" altLang="ko-KR" dirty="0" smtClean="0"/>
+          </a:p>
+          <a:p>
+            <a:pPr lvl="1"/>
+            <a:r>
+              <a:rPr lang="en-US" altLang="ko-KR" dirty="0">
+                <a:hlinkClick r:id="rId2"/>
+              </a:rPr>
+              <a:t>https://</a:t>
+            </a:r>
+            <a:r>
+              <a:rPr lang="en-US" altLang="ko-KR" dirty="0" smtClean="0">
+                <a:hlinkClick r:id="rId2"/>
+              </a:rPr>
+              <a:t>github.com/ByounggwanLee/CareMoa</a:t>
+            </a:r>
+            <a:r>
+              <a:rPr lang="ko-KR" altLang="en-US" dirty="0" smtClean="0"/>
+              <a:t>에 접속</a:t>
+            </a:r>
+            <a:endParaRPr lang="en-US" altLang="ko-KR" dirty="0" smtClean="0"/>
+          </a:p>
+          <a:p>
+            <a:pPr lvl="2"/>
+            <a:r>
+              <a:rPr lang="en-US" altLang="ko-KR" dirty="0" smtClean="0"/>
+              <a:t>Code </a:t>
+            </a:r>
+            <a:r>
+              <a:rPr lang="ko-KR" altLang="en-US" dirty="0" smtClean="0"/>
+              <a:t>클릭 후 </a:t>
+            </a:r>
+            <a:r>
+              <a:rPr lang="en-US" altLang="ko-KR" dirty="0">
+                <a:hlinkClick r:id="rId3"/>
+              </a:rPr>
+              <a:t>https://</a:t>
+            </a:r>
+            <a:r>
+              <a:rPr lang="en-US" altLang="ko-KR" dirty="0" smtClean="0">
+                <a:hlinkClick r:id="rId3"/>
+              </a:rPr>
+              <a:t>github.com/ByounggwanLee/CareMoa.git</a:t>
+            </a:r>
+            <a:r>
+              <a:rPr lang="en-US" altLang="ko-KR" dirty="0" smtClean="0"/>
+              <a:t> </a:t>
+            </a:r>
+            <a:r>
+              <a:rPr lang="ko-KR" altLang="en-US" dirty="0" smtClean="0"/>
+              <a:t>옆        클릭 복사 </a:t>
+            </a:r>
+            <a:endParaRPr lang="en-US" altLang="ko-KR" dirty="0"/>
+          </a:p>
+          <a:p>
+            <a:pPr lvl="1"/>
+            <a:r>
+              <a:rPr lang="en-US" altLang="ko-KR" dirty="0" smtClean="0"/>
+              <a:t>Eclipse </a:t>
+            </a:r>
+            <a:r>
+              <a:rPr lang="ko-KR" altLang="en-US" dirty="0" smtClean="0"/>
+              <a:t>우측상단의 </a:t>
+            </a:r>
+            <a:r>
+              <a:rPr lang="en-US" altLang="ko-KR" dirty="0" err="1" smtClean="0"/>
+              <a:t>Git</a:t>
+            </a:r>
+            <a:r>
+              <a:rPr lang="en-US" altLang="ko-KR" dirty="0" smtClean="0"/>
+              <a:t> Perspective</a:t>
+            </a:r>
+            <a:r>
+              <a:rPr lang="ko-KR" altLang="en-US" dirty="0" smtClean="0"/>
+              <a:t>를 클릭</a:t>
+            </a:r>
+            <a:endParaRPr lang="en-US" altLang="ko-KR" dirty="0" smtClean="0"/>
+          </a:p>
+          <a:p>
+            <a:pPr lvl="2"/>
+            <a:r>
+              <a:rPr lang="en-US" altLang="ko-KR" dirty="0" smtClean="0"/>
+              <a:t>Clone a </a:t>
+            </a:r>
+            <a:r>
+              <a:rPr lang="en-US" altLang="ko-KR" dirty="0" err="1" smtClean="0"/>
+              <a:t>Git</a:t>
+            </a:r>
+            <a:r>
+              <a:rPr lang="en-US" altLang="ko-KR" dirty="0" smtClean="0"/>
+              <a:t> repository </a:t>
+            </a:r>
+            <a:r>
+              <a:rPr lang="ko-KR" altLang="en-US" dirty="0" smtClean="0"/>
+              <a:t>클릭</a:t>
+            </a:r>
+            <a:endParaRPr lang="en-US" altLang="ko-KR" dirty="0" smtClean="0"/>
+          </a:p>
+          <a:p>
+            <a:pPr lvl="2"/>
+            <a:r>
+              <a:rPr lang="en-US" altLang="ko-KR" dirty="0" smtClean="0"/>
+              <a:t>Select </a:t>
+            </a:r>
+            <a:r>
+              <a:rPr lang="en-US" altLang="ko-KR" dirty="0" err="1" smtClean="0"/>
+              <a:t>Git</a:t>
+            </a:r>
+            <a:r>
+              <a:rPr lang="en-US" altLang="ko-KR" dirty="0" smtClean="0"/>
+              <a:t> Repository </a:t>
+            </a:r>
+            <a:r>
+              <a:rPr lang="ko-KR" altLang="en-US" dirty="0" smtClean="0"/>
+              <a:t>화면 </a:t>
+            </a:r>
+            <a:r>
+              <a:rPr lang="en-US" altLang="ko-KR" dirty="0" smtClean="0"/>
+              <a:t>Next </a:t>
+            </a:r>
+            <a:r>
+              <a:rPr lang="ko-KR" altLang="en-US" dirty="0" smtClean="0"/>
+              <a:t>클릭</a:t>
+            </a:r>
+            <a:endParaRPr lang="en-US" altLang="ko-KR" dirty="0" smtClean="0"/>
+          </a:p>
+          <a:p>
+            <a:pPr lvl="2"/>
+            <a:r>
+              <a:rPr lang="en-US" altLang="ko-KR" dirty="0" smtClean="0"/>
+              <a:t>Branch Selection</a:t>
+            </a:r>
+            <a:r>
+              <a:rPr lang="ko-KR" altLang="en-US" dirty="0"/>
+              <a:t> </a:t>
+            </a:r>
+            <a:r>
+              <a:rPr lang="ko-KR" altLang="en-US" dirty="0" smtClean="0"/>
+              <a:t>화면 </a:t>
+            </a:r>
+            <a:r>
+              <a:rPr lang="en-US" altLang="ko-KR" dirty="0" smtClean="0"/>
+              <a:t>Next </a:t>
+            </a:r>
+            <a:r>
+              <a:rPr lang="ko-KR" altLang="en-US" dirty="0" smtClean="0"/>
+              <a:t>클릭</a:t>
+            </a:r>
+            <a:endParaRPr lang="en-US" altLang="ko-KR" dirty="0" smtClean="0"/>
+          </a:p>
+          <a:p>
+            <a:pPr lvl="2"/>
+            <a:r>
+              <a:rPr lang="en-US" altLang="ko-KR" dirty="0" smtClean="0"/>
+              <a:t>Local Destination </a:t>
+            </a:r>
+            <a:r>
+              <a:rPr lang="ko-KR" altLang="en-US" dirty="0" smtClean="0"/>
+              <a:t>화면 </a:t>
+            </a:r>
+            <a:r>
+              <a:rPr lang="en-US" altLang="ko-KR" dirty="0" err="1" smtClean="0"/>
+              <a:t>Direcory</a:t>
+            </a:r>
+            <a:r>
+              <a:rPr lang="en-US" altLang="ko-KR" dirty="0" smtClean="0"/>
+              <a:t> </a:t>
+            </a:r>
+            <a:r>
+              <a:rPr lang="ko-KR" altLang="en-US" dirty="0" smtClean="0"/>
+              <a:t>위치 변경 후 </a:t>
+            </a:r>
+            <a:r>
+              <a:rPr lang="en-US" altLang="ko-KR" dirty="0" smtClean="0"/>
+              <a:t>Finish </a:t>
+            </a:r>
+            <a:r>
+              <a:rPr lang="ko-KR" altLang="en-US" dirty="0" smtClean="0"/>
+              <a:t>클릭</a:t>
+            </a:r>
+            <a:endParaRPr lang="en-US" altLang="ko-KR" dirty="0" smtClean="0"/>
+          </a:p>
+          <a:p>
+            <a:pPr lvl="2"/>
+            <a:r>
+              <a:rPr lang="en-US" altLang="ko-KR" dirty="0" err="1" smtClean="0"/>
+              <a:t>Git</a:t>
+            </a:r>
+            <a:r>
+              <a:rPr lang="en-US" altLang="ko-KR" dirty="0" smtClean="0"/>
+              <a:t> Repositories</a:t>
+            </a:r>
+            <a:r>
+              <a:rPr lang="ko-KR" altLang="en-US" dirty="0" smtClean="0"/>
+              <a:t>에 </a:t>
+            </a:r>
+            <a:r>
+              <a:rPr lang="en-US" altLang="ko-KR" dirty="0" smtClean="0"/>
+              <a:t>Care More </a:t>
+            </a:r>
+            <a:r>
+              <a:rPr lang="ko-KR" altLang="en-US" dirty="0" smtClean="0"/>
+              <a:t>생성 확인</a:t>
+            </a:r>
+            <a:endParaRPr lang="en-US" altLang="ko-KR" dirty="0" smtClean="0"/>
+          </a:p>
+          <a:p>
+            <a:pPr lvl="2"/>
+            <a:endParaRPr lang="en-US" altLang="ko-KR" dirty="0"/>
+          </a:p>
+          <a:p>
+            <a:pPr lvl="2"/>
+            <a:endParaRPr lang="en-US" altLang="ko-KR" dirty="0" smtClean="0"/>
+          </a:p>
+          <a:p>
+            <a:pPr lvl="2"/>
+            <a:endParaRPr lang="en-US" altLang="ko-KR" dirty="0"/>
+          </a:p>
+          <a:p>
+            <a:pPr lvl="2"/>
+            <a:endParaRPr lang="en-US" altLang="ko-KR" dirty="0" smtClean="0"/>
+          </a:p>
+          <a:p>
+            <a:pPr lvl="2"/>
+            <a:endParaRPr lang="en-US" altLang="ko-KR" dirty="0"/>
+          </a:p>
+          <a:p>
+            <a:pPr lvl="2"/>
+            <a:endParaRPr lang="en-US" altLang="ko-KR" dirty="0" smtClean="0"/>
+          </a:p>
+          <a:p>
+            <a:endParaRPr lang="ko-KR" altLang="en-US" dirty="0"/>
+          </a:p>
+        </p:txBody>
+      </p:sp>
+      <p:pic>
+        <p:nvPicPr>
+          <p:cNvPr id="5" name="그림 4"/>
+          <p:cNvPicPr>
+            <a:picLocks noChangeAspect="1"/>
+          </p:cNvPicPr>
+          <p:nvPr/>
+        </p:nvPicPr>
+        <p:blipFill>
+          <a:blip r:embed="rId4"/>
+          <a:stretch>
+            <a:fillRect/>
+          </a:stretch>
+        </p:blipFill>
+        <p:spPr>
+          <a:xfrm>
+            <a:off x="1046822" y="3366162"/>
+            <a:ext cx="1520479" cy="1402096"/>
+          </a:xfrm>
+          <a:prstGeom prst="rect">
+            <a:avLst/>
+          </a:prstGeom>
+        </p:spPr>
+      </p:pic>
+      <p:pic>
+        <p:nvPicPr>
+          <p:cNvPr id="6" name="그림 5"/>
+          <p:cNvPicPr>
+            <a:picLocks noChangeAspect="1"/>
+          </p:cNvPicPr>
+          <p:nvPr/>
+        </p:nvPicPr>
+        <p:blipFill>
+          <a:blip r:embed="rId5"/>
+          <a:stretch>
+            <a:fillRect/>
+          </a:stretch>
+        </p:blipFill>
+        <p:spPr>
+          <a:xfrm>
+            <a:off x="7618735" y="1515913"/>
+            <a:ext cx="457200" cy="323850"/>
+          </a:xfrm>
+          <a:prstGeom prst="rect">
+            <a:avLst/>
+          </a:prstGeom>
+        </p:spPr>
+      </p:pic>
+      <p:pic>
+        <p:nvPicPr>
+          <p:cNvPr id="7" name="그림 6"/>
+          <p:cNvPicPr>
+            <a:picLocks noChangeAspect="1"/>
+          </p:cNvPicPr>
+          <p:nvPr/>
+        </p:nvPicPr>
+        <p:blipFill>
+          <a:blip r:embed="rId6"/>
+          <a:stretch>
+            <a:fillRect/>
+          </a:stretch>
+        </p:blipFill>
+        <p:spPr>
+          <a:xfrm>
+            <a:off x="848415" y="5055883"/>
+            <a:ext cx="2108456" cy="899284"/>
+          </a:xfrm>
+          <a:prstGeom prst="rect">
+            <a:avLst/>
+          </a:prstGeom>
+        </p:spPr>
+      </p:pic>
+      <p:pic>
+        <p:nvPicPr>
+          <p:cNvPr id="8" name="그림 7"/>
+          <p:cNvPicPr>
+            <a:picLocks noChangeAspect="1"/>
+          </p:cNvPicPr>
+          <p:nvPr/>
+        </p:nvPicPr>
+        <p:blipFill>
+          <a:blip r:embed="rId7"/>
+          <a:stretch>
+            <a:fillRect/>
+          </a:stretch>
+        </p:blipFill>
+        <p:spPr>
+          <a:xfrm>
+            <a:off x="3331544" y="3460625"/>
+            <a:ext cx="1807375" cy="1554575"/>
+          </a:xfrm>
+          <a:prstGeom prst="rect">
+            <a:avLst/>
+          </a:prstGeom>
+        </p:spPr>
+      </p:pic>
+      <p:pic>
+        <p:nvPicPr>
+          <p:cNvPr id="9" name="그림 8"/>
+          <p:cNvPicPr>
+            <a:picLocks noChangeAspect="1"/>
+          </p:cNvPicPr>
+          <p:nvPr/>
+        </p:nvPicPr>
+        <p:blipFill>
+          <a:blip r:embed="rId8"/>
+          <a:stretch>
+            <a:fillRect/>
+          </a:stretch>
+        </p:blipFill>
+        <p:spPr>
+          <a:xfrm>
+            <a:off x="5450215" y="3460623"/>
+            <a:ext cx="1807375" cy="1554575"/>
+          </a:xfrm>
+          <a:prstGeom prst="rect">
+            <a:avLst/>
+          </a:prstGeom>
+        </p:spPr>
+      </p:pic>
+      <p:pic>
+        <p:nvPicPr>
+          <p:cNvPr id="10" name="그림 9"/>
+          <p:cNvPicPr>
+            <a:picLocks noChangeAspect="1"/>
+          </p:cNvPicPr>
+          <p:nvPr/>
+        </p:nvPicPr>
+        <p:blipFill>
+          <a:blip r:embed="rId9"/>
+          <a:stretch>
+            <a:fillRect/>
+          </a:stretch>
+        </p:blipFill>
+        <p:spPr>
+          <a:xfrm>
+            <a:off x="7581662" y="3465456"/>
+            <a:ext cx="1801756" cy="1549742"/>
+          </a:xfrm>
+          <a:prstGeom prst="rect">
+            <a:avLst/>
+          </a:prstGeom>
+        </p:spPr>
+      </p:pic>
+      <p:sp>
+        <p:nvSpPr>
+          <p:cNvPr id="11" name="아래쪽 화살표 10"/>
+          <p:cNvSpPr/>
+          <p:nvPr/>
+        </p:nvSpPr>
+        <p:spPr>
+          <a:xfrm>
+            <a:off x="1578632" y="4805953"/>
+            <a:ext cx="327804" cy="231871"/>
+          </a:xfrm>
+          <a:prstGeom prst="downArrow">
+            <a:avLst>
+              <a:gd name="adj1" fmla="val 50000"/>
+              <a:gd name="adj2" fmla="val 42559"/>
+            </a:avLst>
+          </a:prstGeom>
+          <a:noFill/>
+          <a:ln w="38100">
+            <a:solidFill>
+              <a:srgbClr val="FF0000"/>
+            </a:solidFill>
+          </a:ln>
+        </p:spPr>
+        <p:style>
+          <a:lnRef idx="2">
+            <a:schemeClr val="accent1">
+              <a:shade val="50000"/>
+            </a:schemeClr>
+          </a:lnRef>
+          <a:fillRef idx="1">
+            <a:schemeClr val="accent1"/>
+          </a:fillRef>
+          <a:effectRef idx="0">
+            <a:schemeClr val="accent1"/>
+          </a:effectRef>
+          <a:fontRef idx="minor">
+            <a:schemeClr val="lt1"/>
+          </a:fontRef>
+        </p:style>
+        <p:txBody>
+          <a:bodyPr rtlCol="0" anchor="ctr"/>
+          <a:lstStyle/>
+          <a:p>
+            <a:pPr algn="ctr"/>
+            <a:endParaRPr lang="ko-KR" altLang="en-US"/>
+          </a:p>
+        </p:txBody>
+      </p:sp>
+      <p:sp>
+        <p:nvSpPr>
+          <p:cNvPr id="12" name="아래쪽 화살표 11"/>
+          <p:cNvSpPr/>
+          <p:nvPr/>
+        </p:nvSpPr>
+        <p:spPr>
+          <a:xfrm rot="15292060">
+            <a:off x="2972190" y="4854178"/>
+            <a:ext cx="327804" cy="231871"/>
+          </a:xfrm>
+          <a:prstGeom prst="downArrow">
+            <a:avLst>
+              <a:gd name="adj1" fmla="val 50000"/>
+              <a:gd name="adj2" fmla="val 42559"/>
+            </a:avLst>
+          </a:prstGeom>
+          <a:noFill/>
+          <a:ln w="38100">
+            <a:solidFill>
+              <a:srgbClr val="FF0000"/>
+            </a:solidFill>
+          </a:ln>
+        </p:spPr>
+        <p:style>
+          <a:lnRef idx="2">
+            <a:schemeClr val="accent1">
+              <a:shade val="50000"/>
+            </a:schemeClr>
+          </a:lnRef>
+          <a:fillRef idx="1">
+            <a:schemeClr val="accent1"/>
+          </a:fillRef>
+          <a:effectRef idx="0">
+            <a:schemeClr val="accent1"/>
+          </a:effectRef>
+          <a:fontRef idx="minor">
+            <a:schemeClr val="lt1"/>
+          </a:fontRef>
+        </p:style>
+        <p:txBody>
+          <a:bodyPr rtlCol="0" anchor="ctr"/>
+          <a:lstStyle/>
+          <a:p>
+            <a:pPr algn="ctr"/>
+            <a:endParaRPr lang="ko-KR" altLang="en-US"/>
+          </a:p>
+        </p:txBody>
+      </p:sp>
+      <p:sp>
+        <p:nvSpPr>
+          <p:cNvPr id="13" name="아래쪽 화살표 12"/>
+          <p:cNvSpPr/>
+          <p:nvPr/>
+        </p:nvSpPr>
+        <p:spPr>
+          <a:xfrm rot="16200000">
+            <a:off x="5146973" y="4121976"/>
+            <a:ext cx="327804" cy="231871"/>
+          </a:xfrm>
+          <a:prstGeom prst="downArrow">
+            <a:avLst>
+              <a:gd name="adj1" fmla="val 50000"/>
+              <a:gd name="adj2" fmla="val 42559"/>
+            </a:avLst>
+          </a:prstGeom>
+          <a:noFill/>
+          <a:ln w="38100">
+            <a:solidFill>
+              <a:srgbClr val="FF0000"/>
+            </a:solidFill>
+          </a:ln>
+        </p:spPr>
+        <p:style>
+          <a:lnRef idx="2">
+            <a:schemeClr val="accent1">
+              <a:shade val="50000"/>
+            </a:schemeClr>
+          </a:lnRef>
+          <a:fillRef idx="1">
+            <a:schemeClr val="accent1"/>
+          </a:fillRef>
+          <a:effectRef idx="0">
+            <a:schemeClr val="accent1"/>
+          </a:effectRef>
+          <a:fontRef idx="minor">
+            <a:schemeClr val="lt1"/>
+          </a:fontRef>
+        </p:style>
+        <p:txBody>
+          <a:bodyPr rtlCol="0" anchor="ctr"/>
+          <a:lstStyle/>
+          <a:p>
+            <a:pPr algn="ctr"/>
+            <a:endParaRPr lang="ko-KR" altLang="en-US"/>
+          </a:p>
+        </p:txBody>
+      </p:sp>
+      <p:sp>
+        <p:nvSpPr>
+          <p:cNvPr id="14" name="아래쪽 화살표 13"/>
+          <p:cNvSpPr/>
+          <p:nvPr/>
+        </p:nvSpPr>
+        <p:spPr>
+          <a:xfrm rot="16200000">
+            <a:off x="7255724" y="4121974"/>
+            <a:ext cx="327804" cy="231871"/>
+          </a:xfrm>
+          <a:prstGeom prst="downArrow">
+            <a:avLst>
+              <a:gd name="adj1" fmla="val 50000"/>
+              <a:gd name="adj2" fmla="val 42559"/>
+            </a:avLst>
+          </a:prstGeom>
+          <a:noFill/>
+          <a:ln w="38100">
+            <a:solidFill>
+              <a:srgbClr val="FF0000"/>
+            </a:solidFill>
+          </a:ln>
+        </p:spPr>
+        <p:style>
+          <a:lnRef idx="2">
+            <a:schemeClr val="accent1">
+              <a:shade val="50000"/>
+            </a:schemeClr>
+          </a:lnRef>
+          <a:fillRef idx="1">
+            <a:schemeClr val="accent1"/>
+          </a:fillRef>
+          <a:effectRef idx="0">
+            <a:schemeClr val="accent1"/>
+          </a:effectRef>
+          <a:fontRef idx="minor">
+            <a:schemeClr val="lt1"/>
+          </a:fontRef>
+        </p:style>
+        <p:txBody>
+          <a:bodyPr rtlCol="0" anchor="ctr"/>
+          <a:lstStyle/>
+          <a:p>
+            <a:pPr algn="ctr"/>
+            <a:endParaRPr lang="ko-KR" altLang="en-US"/>
+          </a:p>
+        </p:txBody>
+      </p:sp>
+      <p:pic>
+        <p:nvPicPr>
+          <p:cNvPr id="15" name="그림 14"/>
+          <p:cNvPicPr>
+            <a:picLocks noChangeAspect="1"/>
+          </p:cNvPicPr>
+          <p:nvPr/>
+        </p:nvPicPr>
+        <p:blipFill>
+          <a:blip r:embed="rId10"/>
+          <a:stretch>
+            <a:fillRect/>
+          </a:stretch>
+        </p:blipFill>
+        <p:spPr>
+          <a:xfrm>
+            <a:off x="9024468" y="5411964"/>
+            <a:ext cx="2364257" cy="641249"/>
+          </a:xfrm>
+          <a:prstGeom prst="rect">
+            <a:avLst/>
+          </a:prstGeom>
+        </p:spPr>
+      </p:pic>
+      <p:sp>
+        <p:nvSpPr>
+          <p:cNvPr id="16" name="아래쪽 화살표 15"/>
+          <p:cNvSpPr/>
+          <p:nvPr/>
+        </p:nvSpPr>
+        <p:spPr>
+          <a:xfrm rot="18053505">
+            <a:off x="9427652" y="4980525"/>
+            <a:ext cx="327804" cy="231871"/>
+          </a:xfrm>
+          <a:prstGeom prst="downArrow">
+            <a:avLst>
+              <a:gd name="adj1" fmla="val 50000"/>
+              <a:gd name="adj2" fmla="val 42559"/>
+            </a:avLst>
+          </a:prstGeom>
+          <a:noFill/>
+          <a:ln w="38100">
+            <a:solidFill>
+              <a:srgbClr val="FF0000"/>
+            </a:solidFill>
+          </a:ln>
+        </p:spPr>
+        <p:style>
+          <a:lnRef idx="2">
+            <a:schemeClr val="accent1">
+              <a:shade val="50000"/>
+            </a:schemeClr>
+          </a:lnRef>
+          <a:fillRef idx="1">
+            <a:schemeClr val="accent1"/>
+          </a:fillRef>
+          <a:effectRef idx="0">
+            <a:schemeClr val="accent1"/>
+          </a:effectRef>
+          <a:fontRef idx="minor">
+            <a:schemeClr val="lt1"/>
+          </a:fontRef>
+        </p:style>
+        <p:txBody>
+          <a:bodyPr rtlCol="0" anchor="ctr"/>
+          <a:lstStyle/>
+          <a:p>
+            <a:pPr algn="ctr"/>
+            <a:endParaRPr lang="ko-KR" altLang="en-US"/>
+          </a:p>
+        </p:txBody>
+      </p:sp>
+    </p:spTree>
+    <p:extLst>
+      <p:ext uri="{BB962C8B-B14F-4D97-AF65-F5344CB8AC3E}">
+        <p14:creationId xmlns:p14="http://schemas.microsoft.com/office/powerpoint/2010/main" val="1358966445"/>
+      </p:ext>
+    </p:extLst>
+  </p:cSld>
+  <p:clrMapOvr>
+    <a:masterClrMapping/>
+  </p:clrMapOvr>
+</p:sld>
+</file>
+
+<file path=ppt/slides/slide4.xml><?xml version="1.0" encoding="utf-8"?>
+<p:sld xmlns:a="http://schemas.openxmlformats.org/drawingml/2006/main" xmlns:r="http://schemas.openxmlformats.org/officeDocument/2006/relationships" xmlns:p="http://schemas.openxmlformats.org/presentationml/2006/main">
+  <p:cSld>
+    <p:spTree>
+      <p:nvGrpSpPr>
+        <p:cNvPr id="1" name=""/>
+        <p:cNvGrpSpPr/>
+        <p:nvPr/>
+      </p:nvGrpSpPr>
+      <p:grpSpPr>
+        <a:xfrm>
+          <a:off x="0" y="0"/>
+          <a:ext cx="0" cy="0"/>
+          <a:chOff x="0" y="0"/>
+          <a:chExt cx="0" cy="0"/>
+        </a:xfrm>
+      </p:grpSpPr>
+      <p:sp>
+        <p:nvSpPr>
+          <p:cNvPr id="2" name="제목 1"/>
+          <p:cNvSpPr>
+            <a:spLocks noGrp="1"/>
+          </p:cNvSpPr>
+          <p:nvPr>
+            <p:ph type="title"/>
+          </p:nvPr>
+        </p:nvSpPr>
+        <p:spPr/>
+        <p:txBody>
+          <a:bodyPr/>
+          <a:lstStyle/>
+          <a:p>
+            <a:r>
+              <a:rPr lang="en-US" altLang="ko-KR" dirty="0" err="1" smtClean="0"/>
+              <a:t>Git</a:t>
+            </a:r>
+            <a:r>
+              <a:rPr lang="en-US" altLang="ko-KR" dirty="0" smtClean="0"/>
+              <a:t> Clone Project </a:t>
+            </a:r>
+            <a:r>
+              <a:rPr lang="ko-KR" altLang="en-US" dirty="0" smtClean="0"/>
+              <a:t>반영</a:t>
+            </a:r>
+            <a:r>
+              <a:rPr lang="en-US" altLang="ko-KR" dirty="0" smtClean="0"/>
+              <a:t>  </a:t>
+            </a:r>
+            <a:endParaRPr lang="ko-KR" altLang="en-US" dirty="0"/>
+          </a:p>
+        </p:txBody>
+      </p:sp>
+      <p:sp>
+        <p:nvSpPr>
+          <p:cNvPr id="3" name="내용 개체 틀 2"/>
+          <p:cNvSpPr>
+            <a:spLocks noGrp="1"/>
+          </p:cNvSpPr>
+          <p:nvPr>
+            <p:ph idx="1"/>
+          </p:nvPr>
+        </p:nvSpPr>
+        <p:spPr/>
+        <p:txBody>
+          <a:bodyPr/>
+          <a:lstStyle/>
+          <a:p>
+            <a:r>
+              <a:rPr lang="en-US" altLang="ko-KR" dirty="0" err="1" smtClean="0"/>
+              <a:t>Git</a:t>
+            </a:r>
+            <a:r>
+              <a:rPr lang="ko-KR" altLang="en-US" dirty="0" smtClean="0"/>
+              <a:t>에 있는 </a:t>
+            </a:r>
+            <a:r>
+              <a:rPr lang="en-US" altLang="ko-KR" dirty="0" smtClean="0"/>
+              <a:t>Project</a:t>
+            </a:r>
+            <a:r>
+              <a:rPr lang="ko-KR" altLang="en-US" dirty="0" smtClean="0"/>
+              <a:t>을 </a:t>
+            </a:r>
+            <a:r>
+              <a:rPr lang="en-US" altLang="ko-KR" dirty="0" smtClean="0"/>
+              <a:t>Eclipse Package Explorer</a:t>
+            </a:r>
+            <a:r>
+              <a:rPr lang="ko-KR" altLang="en-US" dirty="0" smtClean="0"/>
+              <a:t>에 반영</a:t>
+            </a:r>
+            <a:endParaRPr lang="en-US" altLang="ko-KR" dirty="0" smtClean="0"/>
+          </a:p>
+          <a:p>
+            <a:pPr lvl="1"/>
+            <a:r>
+              <a:rPr lang="en-US" altLang="ko-KR" dirty="0"/>
+              <a:t>Package </a:t>
+            </a:r>
+            <a:r>
+              <a:rPr lang="en-US" altLang="ko-KR" dirty="0" smtClean="0"/>
+              <a:t>Explorer</a:t>
+            </a:r>
+            <a:r>
+              <a:rPr lang="ko-KR" altLang="en-US" dirty="0" smtClean="0"/>
+              <a:t>의 </a:t>
+            </a:r>
+            <a:r>
+              <a:rPr lang="en-US" altLang="ko-KR" dirty="0" smtClean="0"/>
+              <a:t>Import projects… </a:t>
+            </a:r>
+            <a:r>
+              <a:rPr lang="ko-KR" altLang="en-US" dirty="0" smtClean="0"/>
+              <a:t>클릭</a:t>
+            </a:r>
+            <a:endParaRPr lang="en-US" altLang="ko-KR" dirty="0" smtClean="0"/>
+          </a:p>
+          <a:p>
+            <a:pPr lvl="1"/>
+            <a:r>
+              <a:rPr lang="en-US" altLang="ko-KR" dirty="0" smtClean="0"/>
+              <a:t>Import</a:t>
+            </a:r>
+            <a:r>
+              <a:rPr lang="ko-KR" altLang="en-US" dirty="0" smtClean="0"/>
+              <a:t>창에서 </a:t>
+            </a:r>
+            <a:r>
+              <a:rPr lang="en-US" altLang="ko-KR" dirty="0" smtClean="0"/>
+              <a:t>Project from Folder or Archive </a:t>
+            </a:r>
+            <a:r>
+              <a:rPr lang="ko-KR" altLang="en-US" dirty="0" smtClean="0"/>
+              <a:t>선택 후 </a:t>
+            </a:r>
+            <a:r>
+              <a:rPr lang="en-US" altLang="ko-KR" dirty="0" smtClean="0"/>
+              <a:t>Next</a:t>
+            </a:r>
+          </a:p>
+          <a:p>
+            <a:pPr lvl="1"/>
+            <a:r>
+              <a:rPr lang="en-US" altLang="ko-KR" dirty="0" smtClean="0"/>
+              <a:t>Import Projects from file</a:t>
+            </a:r>
+            <a:r>
+              <a:rPr lang="ko-KR" altLang="en-US" dirty="0" smtClean="0"/>
+              <a:t> </a:t>
+            </a:r>
+            <a:r>
+              <a:rPr lang="en-US" altLang="ko-KR" dirty="0" smtClean="0"/>
+              <a:t>System or Archive</a:t>
+            </a:r>
+            <a:r>
+              <a:rPr lang="ko-KR" altLang="en-US" dirty="0" smtClean="0"/>
+              <a:t>에서 </a:t>
+            </a:r>
+            <a:r>
+              <a:rPr lang="en-US" altLang="ko-KR" dirty="0" smtClean="0"/>
+              <a:t>Import Source </a:t>
+            </a:r>
+            <a:r>
+              <a:rPr lang="ko-KR" altLang="en-US" dirty="0" smtClean="0"/>
+              <a:t>지정 후 </a:t>
+            </a:r>
+            <a:r>
+              <a:rPr lang="en-US" altLang="ko-KR" dirty="0" smtClean="0"/>
+              <a:t>Finish</a:t>
+            </a:r>
+            <a:endParaRPr lang="en-US" altLang="ko-KR" dirty="0"/>
+          </a:p>
+          <a:p>
+            <a:pPr lvl="1"/>
+            <a:r>
+              <a:rPr lang="en-US" altLang="ko-KR" dirty="0"/>
+              <a:t>Package </a:t>
+            </a:r>
+            <a:r>
+              <a:rPr lang="en-US" altLang="ko-KR" dirty="0" smtClean="0"/>
+              <a:t>Explorer</a:t>
+            </a:r>
+            <a:r>
+              <a:rPr lang="ko-KR" altLang="en-US" dirty="0" smtClean="0"/>
+              <a:t>에</a:t>
+            </a:r>
+            <a:r>
+              <a:rPr lang="en-US" altLang="ko-KR" dirty="0"/>
+              <a:t> </a:t>
+            </a:r>
+            <a:r>
+              <a:rPr lang="en-US" altLang="ko-KR" dirty="0" smtClean="0"/>
+              <a:t>Import </a:t>
+            </a:r>
+            <a:r>
+              <a:rPr lang="ko-KR" altLang="en-US" dirty="0" smtClean="0"/>
+              <a:t>된 </a:t>
+            </a:r>
+            <a:r>
+              <a:rPr lang="en-US" altLang="ko-KR" dirty="0" smtClean="0"/>
+              <a:t>Project</a:t>
+            </a:r>
+            <a:r>
+              <a:rPr lang="ko-KR" altLang="en-US" dirty="0" smtClean="0"/>
+              <a:t>에서 </a:t>
+            </a:r>
+            <a:r>
+              <a:rPr lang="ko-KR" altLang="en-US" dirty="0" err="1" smtClean="0"/>
+              <a:t>우클릭</a:t>
+            </a:r>
+            <a:r>
+              <a:rPr lang="ko-KR" altLang="en-US" dirty="0" smtClean="0"/>
+              <a:t> </a:t>
+            </a:r>
+            <a:r>
+              <a:rPr lang="en-US" altLang="ko-KR" dirty="0" smtClean="0">
+                <a:sym typeface="Wingdings" panose="05000000000000000000" pitchFamily="2" charset="2"/>
+              </a:rPr>
+              <a:t> </a:t>
+            </a:r>
+            <a:r>
+              <a:rPr lang="en-US" altLang="ko-KR" dirty="0" err="1" smtClean="0">
+                <a:sym typeface="Wingdings" panose="05000000000000000000" pitchFamily="2" charset="2"/>
+              </a:rPr>
+              <a:t>Config</a:t>
+            </a:r>
+            <a:r>
+              <a:rPr lang="en-US" altLang="ko-KR" dirty="0" smtClean="0">
+                <a:sym typeface="Wingdings" panose="05000000000000000000" pitchFamily="2" charset="2"/>
+              </a:rPr>
+              <a:t>  Add </a:t>
+            </a:r>
+            <a:r>
+              <a:rPr lang="en-US" altLang="ko-KR" dirty="0" err="1" smtClean="0">
+                <a:sym typeface="Wingdings" panose="05000000000000000000" pitchFamily="2" charset="2"/>
+              </a:rPr>
+              <a:t>Gradle</a:t>
+            </a:r>
+            <a:r>
+              <a:rPr lang="en-US" altLang="ko-KR" dirty="0" smtClean="0">
+                <a:sym typeface="Wingdings" panose="05000000000000000000" pitchFamily="2" charset="2"/>
+              </a:rPr>
+              <a:t> Nature</a:t>
+            </a:r>
+          </a:p>
+          <a:p>
+            <a:pPr lvl="1"/>
+            <a:r>
+              <a:rPr lang="en-US" altLang="ko-KR" dirty="0" smtClean="0">
+                <a:sym typeface="Wingdings" panose="05000000000000000000" pitchFamily="2" charset="2"/>
+              </a:rPr>
+              <a:t>Project Import</a:t>
+            </a:r>
+            <a:r>
+              <a:rPr lang="ko-KR" altLang="en-US" dirty="0" smtClean="0">
+                <a:sym typeface="Wingdings" panose="05000000000000000000" pitchFamily="2" charset="2"/>
+              </a:rPr>
+              <a:t>완료</a:t>
+            </a:r>
+            <a:r>
+              <a:rPr lang="en-US" altLang="ko-KR" dirty="0" smtClean="0">
+                <a:sym typeface="Wingdings" panose="05000000000000000000" pitchFamily="2" charset="2"/>
+              </a:rPr>
+              <a:t>( member [</a:t>
+            </a:r>
+            <a:r>
+              <a:rPr lang="en-US" altLang="ko-KR" dirty="0" err="1" smtClean="0">
+                <a:sym typeface="Wingdings" panose="05000000000000000000" pitchFamily="2" charset="2"/>
+              </a:rPr>
+              <a:t>CareMoa</a:t>
+            </a:r>
+            <a:r>
+              <a:rPr lang="en-US" altLang="ko-KR" dirty="0" smtClean="0">
+                <a:sym typeface="Wingdings" panose="05000000000000000000" pitchFamily="2" charset="2"/>
+              </a:rPr>
+              <a:t> main]  </a:t>
+            </a:r>
+            <a:r>
+              <a:rPr lang="en-US" altLang="ko-KR" dirty="0">
+                <a:sym typeface="Wingdings" panose="05000000000000000000" pitchFamily="2" charset="2"/>
+              </a:rPr>
+              <a:t>member </a:t>
+            </a:r>
+            <a:r>
+              <a:rPr lang="en-US" altLang="ko-KR" dirty="0" smtClean="0">
+                <a:sym typeface="Wingdings" panose="05000000000000000000" pitchFamily="2" charset="2"/>
+              </a:rPr>
+              <a:t>[boot] [</a:t>
+            </a:r>
+            <a:r>
+              <a:rPr lang="en-US" altLang="ko-KR" dirty="0" err="1" smtClean="0">
+                <a:sym typeface="Wingdings" panose="05000000000000000000" pitchFamily="2" charset="2"/>
+              </a:rPr>
+              <a:t>devtools</a:t>
+            </a:r>
+            <a:r>
+              <a:rPr lang="en-US" altLang="ko-KR" dirty="0" smtClean="0">
+                <a:sym typeface="Wingdings" panose="05000000000000000000" pitchFamily="2" charset="2"/>
+              </a:rPr>
+              <a:t>] [</a:t>
+            </a:r>
+            <a:r>
+              <a:rPr lang="en-US" altLang="ko-KR" dirty="0" err="1" smtClean="0">
+                <a:sym typeface="Wingdings" panose="05000000000000000000" pitchFamily="2" charset="2"/>
+              </a:rPr>
+              <a:t>CareMoa</a:t>
+            </a:r>
+            <a:r>
+              <a:rPr lang="en-US" altLang="ko-KR" dirty="0" smtClean="0">
+                <a:sym typeface="Wingdings" panose="05000000000000000000" pitchFamily="2" charset="2"/>
+              </a:rPr>
+              <a:t> </a:t>
+            </a:r>
+            <a:r>
+              <a:rPr lang="en-US" altLang="ko-KR" dirty="0">
+                <a:sym typeface="Wingdings" panose="05000000000000000000" pitchFamily="2" charset="2"/>
+              </a:rPr>
+              <a:t>main</a:t>
+            </a:r>
+            <a:r>
+              <a:rPr lang="en-US" altLang="ko-KR" dirty="0" smtClean="0">
+                <a:sym typeface="Wingdings" panose="05000000000000000000" pitchFamily="2" charset="2"/>
+              </a:rPr>
+              <a:t>] </a:t>
+            </a:r>
+            <a:r>
+              <a:rPr lang="ko-KR" altLang="en-US" dirty="0" smtClean="0">
+                <a:sym typeface="Wingdings" panose="05000000000000000000" pitchFamily="2" charset="2"/>
+              </a:rPr>
+              <a:t>로 변경</a:t>
+            </a:r>
+            <a:r>
+              <a:rPr lang="en-US" altLang="ko-KR" dirty="0" smtClean="0">
+                <a:sym typeface="Wingdings" panose="05000000000000000000" pitchFamily="2" charset="2"/>
+              </a:rPr>
+              <a:t>)</a:t>
+            </a:r>
+          </a:p>
+          <a:p>
+            <a:pPr marL="457200" lvl="1" indent="0">
+              <a:buNone/>
+            </a:pPr>
+            <a:endParaRPr lang="en-US" altLang="ko-KR" dirty="0" smtClean="0"/>
+          </a:p>
+          <a:p>
+            <a:pPr lvl="1"/>
+            <a:endParaRPr lang="en-US" altLang="ko-KR" dirty="0"/>
+          </a:p>
+          <a:p>
+            <a:pPr lvl="1"/>
+            <a:endParaRPr lang="en-US" altLang="ko-KR" dirty="0" smtClean="0"/>
+          </a:p>
+          <a:p>
+            <a:pPr lvl="1"/>
+            <a:endParaRPr lang="en-US" altLang="ko-KR" dirty="0"/>
+          </a:p>
+          <a:p>
+            <a:pPr lvl="1"/>
+            <a:endParaRPr lang="en-US" altLang="ko-KR" dirty="0" smtClean="0"/>
+          </a:p>
+          <a:p>
+            <a:pPr lvl="1"/>
+            <a:endParaRPr lang="en-US" altLang="ko-KR" dirty="0"/>
+          </a:p>
+          <a:p>
+            <a:pPr lvl="1"/>
+            <a:endParaRPr lang="en-US" altLang="ko-KR" dirty="0" smtClean="0"/>
+          </a:p>
+          <a:p>
+            <a:pPr lvl="1"/>
+            <a:endParaRPr lang="en-US" altLang="ko-KR" dirty="0"/>
+          </a:p>
+          <a:p>
+            <a:pPr marL="457200" lvl="1" indent="0">
+              <a:buNone/>
+            </a:pPr>
+            <a:r>
+              <a:rPr lang="en-US" altLang="ko-KR" dirty="0" smtClean="0"/>
+              <a:t>	</a:t>
+            </a:r>
+          </a:p>
+        </p:txBody>
+      </p:sp>
+      <p:pic>
+        <p:nvPicPr>
+          <p:cNvPr id="8" name="내용 개체 틀 3"/>
+          <p:cNvPicPr>
+            <a:picLocks noChangeAspect="1"/>
+          </p:cNvPicPr>
+          <p:nvPr/>
+        </p:nvPicPr>
+        <p:blipFill>
+          <a:blip r:embed="rId2"/>
+          <a:stretch>
+            <a:fillRect/>
+          </a:stretch>
+        </p:blipFill>
+        <p:spPr>
+          <a:xfrm>
+            <a:off x="839789" y="2785706"/>
+            <a:ext cx="2336652" cy="1035785"/>
+          </a:xfrm>
+          <a:prstGeom prst="rect">
+            <a:avLst/>
+          </a:prstGeom>
+        </p:spPr>
+      </p:pic>
+      <p:pic>
+        <p:nvPicPr>
+          <p:cNvPr id="9" name="그림 8"/>
+          <p:cNvPicPr>
+            <a:picLocks noChangeAspect="1"/>
+          </p:cNvPicPr>
+          <p:nvPr/>
+        </p:nvPicPr>
+        <p:blipFill>
+          <a:blip r:embed="rId3"/>
+          <a:stretch>
+            <a:fillRect/>
+          </a:stretch>
+        </p:blipFill>
+        <p:spPr>
+          <a:xfrm>
+            <a:off x="3683480" y="2760709"/>
+            <a:ext cx="2147977" cy="1934248"/>
+          </a:xfrm>
+          <a:prstGeom prst="rect">
+            <a:avLst/>
+          </a:prstGeom>
+        </p:spPr>
+      </p:pic>
+      <p:pic>
+        <p:nvPicPr>
+          <p:cNvPr id="10" name="그림 9"/>
+          <p:cNvPicPr>
+            <a:picLocks noChangeAspect="1"/>
+          </p:cNvPicPr>
+          <p:nvPr/>
+        </p:nvPicPr>
+        <p:blipFill>
+          <a:blip r:embed="rId4"/>
+          <a:stretch>
+            <a:fillRect/>
+          </a:stretch>
+        </p:blipFill>
+        <p:spPr>
+          <a:xfrm>
+            <a:off x="6167438" y="2760709"/>
+            <a:ext cx="2717898" cy="1934248"/>
+          </a:xfrm>
+          <a:prstGeom prst="rect">
+            <a:avLst/>
+          </a:prstGeom>
+        </p:spPr>
+      </p:pic>
+      <p:pic>
+        <p:nvPicPr>
+          <p:cNvPr id="11" name="그림 10"/>
+          <p:cNvPicPr>
+            <a:picLocks noChangeAspect="1"/>
+          </p:cNvPicPr>
+          <p:nvPr/>
+        </p:nvPicPr>
+        <p:blipFill>
+          <a:blip r:embed="rId5"/>
+          <a:stretch>
+            <a:fillRect/>
+          </a:stretch>
+        </p:blipFill>
+        <p:spPr>
+          <a:xfrm>
+            <a:off x="9222016" y="2750670"/>
+            <a:ext cx="2166709" cy="1074438"/>
+          </a:xfrm>
+          <a:prstGeom prst="rect">
+            <a:avLst/>
+          </a:prstGeom>
+        </p:spPr>
+      </p:pic>
+      <p:sp>
+        <p:nvSpPr>
+          <p:cNvPr id="12" name="직사각형 11"/>
+          <p:cNvSpPr/>
+          <p:nvPr/>
+        </p:nvSpPr>
+        <p:spPr>
+          <a:xfrm>
+            <a:off x="771495" y="3690705"/>
+            <a:ext cx="1026543" cy="143031"/>
+          </a:xfrm>
+          <a:prstGeom prst="rect">
+            <a:avLst/>
+          </a:prstGeom>
+          <a:noFill/>
+          <a:ln w="38100">
+            <a:solidFill>
+              <a:srgbClr val="FF0000"/>
+            </a:solidFill>
+          </a:ln>
+        </p:spPr>
+        <p:style>
+          <a:lnRef idx="2">
+            <a:schemeClr val="accent1">
+              <a:shade val="50000"/>
+            </a:schemeClr>
+          </a:lnRef>
+          <a:fillRef idx="1">
+            <a:schemeClr val="accent1"/>
+          </a:fillRef>
+          <a:effectRef idx="0">
+            <a:schemeClr val="accent1"/>
+          </a:effectRef>
+          <a:fontRef idx="minor">
+            <a:schemeClr val="lt1"/>
+          </a:fontRef>
+        </p:style>
+        <p:txBody>
+          <a:bodyPr rtlCol="0" anchor="ctr"/>
+          <a:lstStyle/>
+          <a:p>
+            <a:pPr algn="ctr"/>
+            <a:endParaRPr lang="ko-KR" altLang="en-US"/>
+          </a:p>
+        </p:txBody>
+      </p:sp>
+      <p:sp>
+        <p:nvSpPr>
+          <p:cNvPr id="13" name="직사각형 12"/>
+          <p:cNvSpPr/>
+          <p:nvPr/>
+        </p:nvSpPr>
+        <p:spPr>
+          <a:xfrm>
+            <a:off x="3810702" y="3649851"/>
+            <a:ext cx="771257" cy="114107"/>
+          </a:xfrm>
+          <a:prstGeom prst="rect">
+            <a:avLst/>
+          </a:prstGeom>
+          <a:noFill/>
+          <a:ln w="38100">
+            <a:solidFill>
+              <a:srgbClr val="FF0000"/>
+            </a:solidFill>
+          </a:ln>
+        </p:spPr>
+        <p:style>
+          <a:lnRef idx="2">
+            <a:schemeClr val="accent1">
+              <a:shade val="50000"/>
+            </a:schemeClr>
+          </a:lnRef>
+          <a:fillRef idx="1">
+            <a:schemeClr val="accent1"/>
+          </a:fillRef>
+          <a:effectRef idx="0">
+            <a:schemeClr val="accent1"/>
+          </a:effectRef>
+          <a:fontRef idx="minor">
+            <a:schemeClr val="lt1"/>
+          </a:fontRef>
+        </p:style>
+        <p:txBody>
+          <a:bodyPr rtlCol="0" anchor="ctr"/>
+          <a:lstStyle/>
+          <a:p>
+            <a:pPr algn="ctr"/>
+            <a:endParaRPr lang="ko-KR" altLang="en-US"/>
+          </a:p>
+        </p:txBody>
+      </p:sp>
+      <p:sp>
+        <p:nvSpPr>
+          <p:cNvPr id="14" name="직사각형 13"/>
+          <p:cNvSpPr/>
+          <p:nvPr/>
+        </p:nvSpPr>
+        <p:spPr>
+          <a:xfrm>
+            <a:off x="4753155" y="4526849"/>
+            <a:ext cx="353683" cy="144241"/>
+          </a:xfrm>
+          <a:prstGeom prst="rect">
+            <a:avLst/>
+          </a:prstGeom>
+          <a:noFill/>
+          <a:ln w="38100">
+            <a:solidFill>
+              <a:srgbClr val="FF0000"/>
+            </a:solidFill>
+          </a:ln>
+        </p:spPr>
+        <p:style>
+          <a:lnRef idx="2">
+            <a:schemeClr val="accent1">
+              <a:shade val="50000"/>
+            </a:schemeClr>
+          </a:lnRef>
+          <a:fillRef idx="1">
+            <a:schemeClr val="accent1"/>
+          </a:fillRef>
+          <a:effectRef idx="0">
+            <a:schemeClr val="accent1"/>
+          </a:effectRef>
+          <a:fontRef idx="minor">
+            <a:schemeClr val="lt1"/>
+          </a:fontRef>
+        </p:style>
+        <p:txBody>
+          <a:bodyPr rtlCol="0" anchor="ctr"/>
+          <a:lstStyle/>
+          <a:p>
+            <a:pPr algn="ctr"/>
+            <a:endParaRPr lang="ko-KR" altLang="en-US"/>
+          </a:p>
+        </p:txBody>
+      </p:sp>
+      <p:sp>
+        <p:nvSpPr>
+          <p:cNvPr id="17" name="직사각형 16"/>
+          <p:cNvSpPr/>
+          <p:nvPr/>
+        </p:nvSpPr>
+        <p:spPr>
+          <a:xfrm>
+            <a:off x="8065698" y="3096870"/>
+            <a:ext cx="607822" cy="110999"/>
+          </a:xfrm>
+          <a:prstGeom prst="rect">
+            <a:avLst/>
+          </a:prstGeom>
+          <a:noFill/>
+          <a:ln w="38100">
+            <a:solidFill>
+              <a:srgbClr val="FF0000"/>
+            </a:solidFill>
+          </a:ln>
+        </p:spPr>
+        <p:style>
+          <a:lnRef idx="2">
+            <a:schemeClr val="accent1">
+              <a:shade val="50000"/>
+            </a:schemeClr>
+          </a:lnRef>
+          <a:fillRef idx="1">
+            <a:schemeClr val="accent1"/>
+          </a:fillRef>
+          <a:effectRef idx="0">
+            <a:schemeClr val="accent1"/>
+          </a:effectRef>
+          <a:fontRef idx="minor">
+            <a:schemeClr val="lt1"/>
+          </a:fontRef>
+        </p:style>
+        <p:txBody>
+          <a:bodyPr rtlCol="0" anchor="ctr"/>
+          <a:lstStyle/>
+          <a:p>
+            <a:pPr algn="ctr"/>
+            <a:endParaRPr lang="ko-KR" altLang="en-US"/>
+          </a:p>
+        </p:txBody>
+      </p:sp>
+      <p:sp>
+        <p:nvSpPr>
+          <p:cNvPr id="18" name="직사각형 17"/>
+          <p:cNvSpPr/>
+          <p:nvPr/>
+        </p:nvSpPr>
+        <p:spPr>
+          <a:xfrm>
+            <a:off x="8192767" y="4544099"/>
+            <a:ext cx="353683" cy="144241"/>
+          </a:xfrm>
+          <a:prstGeom prst="rect">
+            <a:avLst/>
+          </a:prstGeom>
+          <a:noFill/>
+          <a:ln w="38100">
+            <a:solidFill>
+              <a:srgbClr val="FF0000"/>
+            </a:solidFill>
+          </a:ln>
+        </p:spPr>
+        <p:style>
+          <a:lnRef idx="2">
+            <a:schemeClr val="accent1">
+              <a:shade val="50000"/>
+            </a:schemeClr>
+          </a:lnRef>
+          <a:fillRef idx="1">
+            <a:schemeClr val="accent1"/>
+          </a:fillRef>
+          <a:effectRef idx="0">
+            <a:schemeClr val="accent1"/>
+          </a:effectRef>
+          <a:fontRef idx="minor">
+            <a:schemeClr val="lt1"/>
+          </a:fontRef>
+        </p:style>
+        <p:txBody>
+          <a:bodyPr rtlCol="0" anchor="ctr"/>
+          <a:lstStyle/>
+          <a:p>
+            <a:pPr algn="ctr"/>
+            <a:endParaRPr lang="ko-KR" altLang="en-US"/>
+          </a:p>
+        </p:txBody>
+      </p:sp>
+      <p:sp>
+        <p:nvSpPr>
+          <p:cNvPr id="19" name="오른쪽 화살표 18"/>
+          <p:cNvSpPr/>
+          <p:nvPr/>
+        </p:nvSpPr>
+        <p:spPr>
+          <a:xfrm>
+            <a:off x="3346800" y="3160111"/>
+            <a:ext cx="233162" cy="290444"/>
+          </a:xfrm>
+          <a:prstGeom prst="rightArrow">
+            <a:avLst/>
+          </a:prstGeom>
+          <a:noFill/>
+          <a:ln w="38100">
+            <a:solidFill>
+              <a:srgbClr val="FF0000"/>
+            </a:solidFill>
+          </a:ln>
+        </p:spPr>
+        <p:style>
+          <a:lnRef idx="2">
+            <a:schemeClr val="accent1">
+              <a:shade val="50000"/>
+            </a:schemeClr>
+          </a:lnRef>
+          <a:fillRef idx="1">
+            <a:schemeClr val="accent1"/>
+          </a:fillRef>
+          <a:effectRef idx="0">
+            <a:schemeClr val="accent1"/>
+          </a:effectRef>
+          <a:fontRef idx="minor">
+            <a:schemeClr val="lt1"/>
+          </a:fontRef>
+        </p:style>
+        <p:txBody>
+          <a:bodyPr rtlCol="0" anchor="ctr"/>
+          <a:lstStyle/>
+          <a:p>
+            <a:pPr algn="ctr"/>
+            <a:endParaRPr lang="ko-KR" altLang="en-US"/>
+          </a:p>
+        </p:txBody>
+      </p:sp>
+      <p:sp>
+        <p:nvSpPr>
+          <p:cNvPr id="20" name="오른쪽 화살표 19"/>
+          <p:cNvSpPr/>
+          <p:nvPr/>
+        </p:nvSpPr>
+        <p:spPr>
+          <a:xfrm>
+            <a:off x="5882517" y="3606952"/>
+            <a:ext cx="233162" cy="290444"/>
+          </a:xfrm>
+          <a:prstGeom prst="rightArrow">
+            <a:avLst/>
+          </a:prstGeom>
+          <a:noFill/>
+          <a:ln w="38100">
+            <a:solidFill>
+              <a:srgbClr val="FF0000"/>
+            </a:solidFill>
+          </a:ln>
+        </p:spPr>
+        <p:style>
+          <a:lnRef idx="2">
+            <a:schemeClr val="accent1">
+              <a:shade val="50000"/>
+            </a:schemeClr>
+          </a:lnRef>
+          <a:fillRef idx="1">
+            <a:schemeClr val="accent1"/>
+          </a:fillRef>
+          <a:effectRef idx="0">
+            <a:schemeClr val="accent1"/>
+          </a:effectRef>
+          <a:fontRef idx="minor">
+            <a:schemeClr val="lt1"/>
+          </a:fontRef>
+        </p:style>
+        <p:txBody>
+          <a:bodyPr rtlCol="0" anchor="ctr"/>
+          <a:lstStyle/>
+          <a:p>
+            <a:pPr algn="ctr"/>
+            <a:endParaRPr lang="ko-KR" altLang="en-US"/>
+          </a:p>
+        </p:txBody>
+      </p:sp>
+      <p:sp>
+        <p:nvSpPr>
+          <p:cNvPr id="21" name="오른쪽 화살표 20"/>
+          <p:cNvSpPr/>
+          <p:nvPr/>
+        </p:nvSpPr>
+        <p:spPr>
+          <a:xfrm>
+            <a:off x="8953630" y="3210138"/>
+            <a:ext cx="233162" cy="290444"/>
+          </a:xfrm>
+          <a:prstGeom prst="rightArrow">
+            <a:avLst/>
+          </a:prstGeom>
+          <a:noFill/>
+          <a:ln w="38100">
+            <a:solidFill>
+              <a:srgbClr val="FF0000"/>
+            </a:solidFill>
+          </a:ln>
+        </p:spPr>
+        <p:style>
+          <a:lnRef idx="2">
+            <a:schemeClr val="accent1">
+              <a:shade val="50000"/>
+            </a:schemeClr>
+          </a:lnRef>
+          <a:fillRef idx="1">
+            <a:schemeClr val="accent1"/>
+          </a:fillRef>
+          <a:effectRef idx="0">
+            <a:schemeClr val="accent1"/>
+          </a:effectRef>
+          <a:fontRef idx="minor">
+            <a:schemeClr val="lt1"/>
+          </a:fontRef>
+        </p:style>
+        <p:txBody>
+          <a:bodyPr rtlCol="0" anchor="ctr"/>
+          <a:lstStyle/>
+          <a:p>
+            <a:pPr algn="ctr"/>
+            <a:endParaRPr lang="ko-KR" altLang="en-US"/>
+          </a:p>
+        </p:txBody>
+      </p:sp>
+      <p:sp>
+        <p:nvSpPr>
+          <p:cNvPr id="22" name="직사각형 21"/>
+          <p:cNvSpPr/>
+          <p:nvPr/>
+        </p:nvSpPr>
+        <p:spPr>
+          <a:xfrm>
+            <a:off x="9221317" y="2860233"/>
+            <a:ext cx="845709" cy="133121"/>
+          </a:xfrm>
+          <a:prstGeom prst="rect">
+            <a:avLst/>
+          </a:prstGeom>
+          <a:noFill/>
+          <a:ln w="38100">
+            <a:solidFill>
+              <a:srgbClr val="FF0000"/>
+            </a:solidFill>
+          </a:ln>
+        </p:spPr>
+        <p:style>
+          <a:lnRef idx="2">
+            <a:schemeClr val="accent1">
+              <a:shade val="50000"/>
+            </a:schemeClr>
+          </a:lnRef>
+          <a:fillRef idx="1">
+            <a:schemeClr val="accent1"/>
+          </a:fillRef>
+          <a:effectRef idx="0">
+            <a:schemeClr val="accent1"/>
+          </a:effectRef>
+          <a:fontRef idx="minor">
+            <a:schemeClr val="lt1"/>
+          </a:fontRef>
+        </p:style>
+        <p:txBody>
+          <a:bodyPr rtlCol="0" anchor="ctr"/>
+          <a:lstStyle/>
+          <a:p>
+            <a:pPr algn="ctr"/>
+            <a:endParaRPr lang="ko-KR" altLang="en-US"/>
+          </a:p>
+        </p:txBody>
+      </p:sp>
+      <p:pic>
+        <p:nvPicPr>
+          <p:cNvPr id="23" name="그림 22"/>
+          <p:cNvPicPr>
+            <a:picLocks noChangeAspect="1"/>
+          </p:cNvPicPr>
+          <p:nvPr/>
+        </p:nvPicPr>
+        <p:blipFill>
+          <a:blip r:embed="rId6"/>
+          <a:stretch>
+            <a:fillRect/>
+          </a:stretch>
+        </p:blipFill>
+        <p:spPr>
+          <a:xfrm>
+            <a:off x="9351034" y="4089969"/>
+            <a:ext cx="1947302" cy="2002856"/>
+          </a:xfrm>
+          <a:prstGeom prst="rect">
+            <a:avLst/>
+          </a:prstGeom>
+        </p:spPr>
+      </p:pic>
+      <p:sp>
+        <p:nvSpPr>
+          <p:cNvPr id="24" name="오른쪽 화살표 23"/>
+          <p:cNvSpPr/>
+          <p:nvPr/>
+        </p:nvSpPr>
+        <p:spPr>
+          <a:xfrm rot="5400000">
+            <a:off x="10188788" y="3864533"/>
+            <a:ext cx="233162" cy="290444"/>
+          </a:xfrm>
+          <a:prstGeom prst="rightArrow">
+            <a:avLst/>
+          </a:prstGeom>
+          <a:noFill/>
+          <a:ln w="38100">
+            <a:solidFill>
+              <a:srgbClr val="FF0000"/>
+            </a:solidFill>
+          </a:ln>
+        </p:spPr>
+        <p:style>
+          <a:lnRef idx="2">
+            <a:schemeClr val="accent1">
+              <a:shade val="50000"/>
+            </a:schemeClr>
+          </a:lnRef>
+          <a:fillRef idx="1">
+            <a:schemeClr val="accent1"/>
+          </a:fillRef>
+          <a:effectRef idx="0">
+            <a:schemeClr val="accent1"/>
+          </a:effectRef>
+          <a:fontRef idx="minor">
+            <a:schemeClr val="lt1"/>
+          </a:fontRef>
+        </p:style>
+        <p:txBody>
+          <a:bodyPr rtlCol="0" anchor="ctr"/>
+          <a:lstStyle/>
+          <a:p>
+            <a:pPr algn="ctr"/>
+            <a:endParaRPr lang="ko-KR" altLang="en-US"/>
+          </a:p>
+        </p:txBody>
+      </p:sp>
+      <p:pic>
+        <p:nvPicPr>
+          <p:cNvPr id="25" name="그림 24"/>
+          <p:cNvPicPr>
+            <a:picLocks noChangeAspect="1"/>
+          </p:cNvPicPr>
+          <p:nvPr/>
+        </p:nvPicPr>
+        <p:blipFill>
+          <a:blip r:embed="rId7"/>
+          <a:stretch>
+            <a:fillRect/>
+          </a:stretch>
+        </p:blipFill>
+        <p:spPr>
+          <a:xfrm>
+            <a:off x="6337540" y="4919203"/>
+            <a:ext cx="2096767" cy="1033513"/>
+          </a:xfrm>
+          <a:prstGeom prst="rect">
+            <a:avLst/>
+          </a:prstGeom>
+        </p:spPr>
+      </p:pic>
+      <p:sp>
+        <p:nvSpPr>
+          <p:cNvPr id="26" name="오른쪽 화살표 25"/>
+          <p:cNvSpPr/>
+          <p:nvPr/>
+        </p:nvSpPr>
+        <p:spPr>
+          <a:xfrm rot="10800000">
+            <a:off x="8808408" y="5286339"/>
+            <a:ext cx="233162" cy="290444"/>
+          </a:xfrm>
+          <a:prstGeom prst="rightArrow">
+            <a:avLst/>
+          </a:prstGeom>
+          <a:noFill/>
+          <a:ln w="38100">
+            <a:solidFill>
+              <a:srgbClr val="FF0000"/>
+            </a:solidFill>
+          </a:ln>
+        </p:spPr>
+        <p:style>
+          <a:lnRef idx="2">
+            <a:schemeClr val="accent1">
+              <a:shade val="50000"/>
+            </a:schemeClr>
+          </a:lnRef>
+          <a:fillRef idx="1">
+            <a:schemeClr val="accent1"/>
+          </a:fillRef>
+          <a:effectRef idx="0">
+            <a:schemeClr val="accent1"/>
+          </a:effectRef>
+          <a:fontRef idx="minor">
+            <a:schemeClr val="lt1"/>
+          </a:fontRef>
+        </p:style>
+        <p:txBody>
+          <a:bodyPr rtlCol="0" anchor="ctr"/>
+          <a:lstStyle/>
+          <a:p>
+            <a:pPr algn="ctr"/>
+            <a:endParaRPr lang="ko-KR" altLang="en-US"/>
+          </a:p>
+        </p:txBody>
+      </p:sp>
+    </p:spTree>
+    <p:extLst>
+      <p:ext uri="{BB962C8B-B14F-4D97-AF65-F5344CB8AC3E}">
+        <p14:creationId xmlns:p14="http://schemas.microsoft.com/office/powerpoint/2010/main" val="3128024113"/>
+      </p:ext>
+    </p:extLst>
+  </p:cSld>
+  <p:clrMapOvr>
+    <a:masterClrMapping/>
+  </p:clrMapOvr>
+</p:sld>
+</file>
+
+<file path=ppt/slides/slide5.xml><?xml version="1.0" encoding="utf-8"?>
+<p:sld xmlns:a="http://schemas.openxmlformats.org/drawingml/2006/main" xmlns:r="http://schemas.openxmlformats.org/officeDocument/2006/relationships" xmlns:p="http://schemas.openxmlformats.org/presentationml/2006/main">
+  <p:cSld>
+    <p:spTree>
+      <p:nvGrpSpPr>
+        <p:cNvPr id="1" name=""/>
+        <p:cNvGrpSpPr/>
+        <p:nvPr/>
+      </p:nvGrpSpPr>
+      <p:grpSpPr>
+        <a:xfrm>
+          <a:off x="0" y="0"/>
+          <a:ext cx="0" cy="0"/>
+          <a:chOff x="0" y="0"/>
+          <a:chExt cx="0" cy="0"/>
+        </a:xfrm>
+      </p:grpSpPr>
+      <p:sp>
+        <p:nvSpPr>
           <p:cNvPr id="4" name="제목 3"/>
           <p:cNvSpPr>
             <a:spLocks noGrp="1"/>
@@ -3975,11 +8298,7 @@
             </a:r>
             <a:r>
               <a:rPr lang="en-US" altLang="ko-KR" dirty="0" smtClean="0"/>
-              <a:t>(1</a:t>
-            </a:r>
-            <a:r>
-              <a:rPr lang="en-US" altLang="ko-KR" dirty="0" smtClean="0"/>
-              <a:t>)</a:t>
+              <a:t>(1)</a:t>
             </a:r>
             <a:endParaRPr lang="ko-KR" altLang="en-US" dirty="0"/>
           </a:p>
@@ -4037,30 +8356,6 @@
           <a:p>
             <a:pPr lvl="1"/>
             <a:r>
-              <a:rPr lang="en-US" altLang="ko-KR" dirty="0" err="1" smtClean="0">
-                <a:sym typeface="Wingdings" panose="05000000000000000000" pitchFamily="2" charset="2"/>
-              </a:rPr>
-              <a:t>CareMoa</a:t>
-            </a:r>
-            <a:r>
-              <a:rPr lang="en-US" altLang="ko-KR" dirty="0" smtClean="0">
-                <a:sym typeface="Wingdings" panose="05000000000000000000" pitchFamily="2" charset="2"/>
-              </a:rPr>
-              <a:t> </a:t>
-            </a:r>
-            <a:r>
-              <a:rPr lang="ko-KR" altLang="en-US" dirty="0" smtClean="0">
-                <a:sym typeface="Wingdings" panose="05000000000000000000" pitchFamily="2" charset="2"/>
-              </a:rPr>
-              <a:t>디렉토리 생성 </a:t>
-            </a:r>
-            <a:endParaRPr lang="en-US" altLang="ko-KR" dirty="0" smtClean="0">
-              <a:sym typeface="Wingdings" panose="05000000000000000000" pitchFamily="2" charset="2"/>
-            </a:endParaRPr>
-          </a:p>
-          <a:p>
-            <a:pPr lvl="1"/>
-            <a:r>
               <a:rPr lang="en-US" altLang="ko-KR" dirty="0" smtClean="0"/>
               <a:t>File </a:t>
             </a:r>
@@ -4206,9 +8501,6 @@
               </a:rPr>
               <a:t>Next</a:t>
             </a:r>
-            <a:endParaRPr lang="en-US" altLang="ko-KR" dirty="0">
-              <a:sym typeface="Wingdings" panose="05000000000000000000" pitchFamily="2" charset="2"/>
-            </a:endParaRPr>
           </a:p>
         </p:txBody>
       </p:sp>
@@ -4273,7 +8565,7 @@
 </p:sld>
 </file>
 
-<file path=ppt/slides/slide4.xml><?xml version="1.0" encoding="utf-8"?>
+<file path=ppt/slides/slide6.xml><?xml version="1.0" encoding="utf-8"?>
 <p:sld xmlns:a="http://schemas.openxmlformats.org/drawingml/2006/main" xmlns:r="http://schemas.openxmlformats.org/officeDocument/2006/relationships" xmlns:p="http://schemas.openxmlformats.org/presentationml/2006/main">
   <p:cSld>
     <p:spTree>
@@ -4476,7 +8768,7 @@
 </p:sld>
 </file>
 
-<file path=ppt/slides/slide5.xml><?xml version="1.0" encoding="utf-8"?>
+<file path=ppt/slides/slide7.xml><?xml version="1.0" encoding="utf-8"?>
 <p:sld xmlns:a="http://schemas.openxmlformats.org/drawingml/2006/main" xmlns:r="http://schemas.openxmlformats.org/officeDocument/2006/relationships" xmlns:p="http://schemas.openxmlformats.org/presentationml/2006/main">
   <p:cSld>
     <p:spTree>
@@ -4706,7 +8998,7 @@
 </p:sld>
 </file>
 
-<file path=ppt/slides/slide6.xml><?xml version="1.0" encoding="utf-8"?>
+<file path=ppt/slides/slide8.xml><?xml version="1.0" encoding="utf-8"?>
 <p:sld xmlns:a="http://schemas.openxmlformats.org/drawingml/2006/main" xmlns:r="http://schemas.openxmlformats.org/officeDocument/2006/relationships" xmlns:p="http://schemas.openxmlformats.org/presentationml/2006/main">
   <p:cSld>
     <p:spTree>
@@ -5013,6 +9305,258 @@
     <p:extLst>
       <p:ext uri="{BB962C8B-B14F-4D97-AF65-F5344CB8AC3E}">
         <p14:creationId xmlns:p14="http://schemas.microsoft.com/office/powerpoint/2010/main" val="3256529394"/>
+      </p:ext>
+    </p:extLst>
+  </p:cSld>
+  <p:clrMapOvr>
+    <a:masterClrMapping/>
+  </p:clrMapOvr>
+</p:sld>
+</file>
+
+<file path=ppt/slides/slide9.xml><?xml version="1.0" encoding="utf-8"?>
+<p:sld xmlns:a="http://schemas.openxmlformats.org/drawingml/2006/main" xmlns:r="http://schemas.openxmlformats.org/officeDocument/2006/relationships" xmlns:p="http://schemas.openxmlformats.org/presentationml/2006/main">
+  <p:cSld>
+    <p:spTree>
+      <p:nvGrpSpPr>
+        <p:cNvPr id="1" name=""/>
+        <p:cNvGrpSpPr/>
+        <p:nvPr/>
+      </p:nvGrpSpPr>
+      <p:grpSpPr>
+        <a:xfrm>
+          <a:off x="0" y="0"/>
+          <a:ext cx="0" cy="0"/>
+          <a:chOff x="0" y="0"/>
+          <a:chExt cx="0" cy="0"/>
+        </a:xfrm>
+      </p:grpSpPr>
+      <p:sp>
+        <p:nvSpPr>
+          <p:cNvPr id="2" name="제목 1"/>
+          <p:cNvSpPr>
+            <a:spLocks noGrp="1"/>
+          </p:cNvSpPr>
+          <p:nvPr>
+            <p:ph type="title"/>
+          </p:nvPr>
+        </p:nvSpPr>
+        <p:spPr/>
+        <p:txBody>
+          <a:bodyPr/>
+          <a:lstStyle/>
+          <a:p>
+            <a:r>
+              <a:rPr lang="ko-KR" altLang="en-US" dirty="0" smtClean="0"/>
+              <a:t>프로젝트 생성</a:t>
+            </a:r>
+            <a:r>
+              <a:rPr lang="en-US" altLang="ko-KR" dirty="0" smtClean="0"/>
+              <a:t>(5)</a:t>
+            </a:r>
+            <a:endParaRPr lang="ko-KR" altLang="en-US" dirty="0"/>
+          </a:p>
+        </p:txBody>
+      </p:sp>
+      <p:sp>
+        <p:nvSpPr>
+          <p:cNvPr id="3" name="내용 개체 틀 2"/>
+          <p:cNvSpPr>
+            <a:spLocks noGrp="1"/>
+          </p:cNvSpPr>
+          <p:nvPr>
+            <p:ph idx="1"/>
+          </p:nvPr>
+        </p:nvSpPr>
+        <p:spPr/>
+        <p:txBody>
+          <a:bodyPr/>
+          <a:lstStyle/>
+          <a:p>
+            <a:r>
+              <a:rPr lang="en-US" altLang="ko-KR" dirty="0" smtClean="0"/>
+              <a:t>Package </a:t>
+            </a:r>
+            <a:r>
+              <a:rPr lang="ko-KR" altLang="en-US" dirty="0" smtClean="0"/>
+              <a:t>생성</a:t>
+            </a:r>
+            <a:endParaRPr lang="en-US" altLang="ko-KR" dirty="0" smtClean="0"/>
+          </a:p>
+          <a:p>
+            <a:pPr lvl="1"/>
+            <a:r>
+              <a:rPr lang="en-US" altLang="ko-KR" dirty="0" err="1" smtClean="0"/>
+              <a:t>Cmd</a:t>
+            </a:r>
+            <a:r>
+              <a:rPr lang="ko-KR" altLang="en-US" dirty="0" smtClean="0"/>
+              <a:t>창을 실행</a:t>
+            </a:r>
+            <a:endParaRPr lang="en-US" altLang="ko-KR" dirty="0" smtClean="0"/>
+          </a:p>
+          <a:p>
+            <a:pPr lvl="1"/>
+            <a:r>
+              <a:rPr lang="en-US" altLang="ko-KR" dirty="0" err="1" smtClean="0"/>
+              <a:t>CareMoa</a:t>
+            </a:r>
+            <a:r>
+              <a:rPr lang="en-US" altLang="ko-KR" dirty="0" smtClean="0"/>
+              <a:t> workspace</a:t>
+            </a:r>
+            <a:r>
+              <a:rPr lang="ko-KR" altLang="en-US" dirty="0" smtClean="0"/>
+              <a:t>로 디렉토리 변경</a:t>
+            </a:r>
+            <a:endParaRPr lang="en-US" altLang="ko-KR" dirty="0" smtClean="0"/>
+          </a:p>
+          <a:p>
+            <a:pPr lvl="1"/>
+            <a:r>
+              <a:rPr lang="en-US" altLang="ko-KR" dirty="0"/>
+              <a:t>doc\mkpackage.bat </a:t>
+            </a:r>
+            <a:r>
+              <a:rPr lang="en-US" altLang="ko-KR" dirty="0" smtClean="0"/>
+              <a:t>helper </a:t>
+            </a:r>
+            <a:r>
+              <a:rPr lang="ko-KR" altLang="en-US" dirty="0" smtClean="0"/>
+              <a:t>를 실행</a:t>
+            </a:r>
+            <a:endParaRPr lang="en-US" altLang="ko-KR" dirty="0" smtClean="0"/>
+          </a:p>
+          <a:p>
+            <a:pPr lvl="1"/>
+            <a:r>
+              <a:rPr lang="en-US" altLang="ko-KR" dirty="0" smtClean="0"/>
+              <a:t>Helper package</a:t>
+            </a:r>
+            <a:r>
+              <a:rPr lang="ko-KR" altLang="en-US" dirty="0" smtClean="0"/>
+              <a:t>에서 </a:t>
+            </a:r>
+            <a:r>
+              <a:rPr lang="en-US" altLang="ko-KR" dirty="0" smtClean="0"/>
+              <a:t>Refresh[ F5]</a:t>
+            </a:r>
+            <a:r>
+              <a:rPr lang="ko-KR" altLang="en-US" dirty="0" smtClean="0"/>
+              <a:t>를 눌러  </a:t>
+            </a:r>
+            <a:r>
+              <a:rPr lang="en-US" altLang="ko-KR" dirty="0" smtClean="0"/>
+              <a:t>Package </a:t>
+            </a:r>
+            <a:r>
+              <a:rPr lang="ko-KR" altLang="en-US" dirty="0" smtClean="0"/>
+              <a:t>확인</a:t>
+            </a:r>
+            <a:endParaRPr lang="ko-KR" altLang="en-US" dirty="0"/>
+          </a:p>
+        </p:txBody>
+      </p:sp>
+      <p:pic>
+        <p:nvPicPr>
+          <p:cNvPr id="5" name="내용 개체 틀 4"/>
+          <p:cNvPicPr>
+            <a:picLocks noGrp="1" noChangeAspect="1"/>
+          </p:cNvPicPr>
+          <p:nvPr>
+            <p:ph sz="half" idx="4294967295"/>
+          </p:nvPr>
+        </p:nvPicPr>
+        <p:blipFill>
+          <a:blip r:embed="rId2"/>
+          <a:stretch>
+            <a:fillRect/>
+          </a:stretch>
+        </p:blipFill>
+        <p:spPr>
+          <a:xfrm>
+            <a:off x="1837427" y="2407489"/>
+            <a:ext cx="5181600" cy="3685336"/>
+          </a:xfrm>
+          <a:prstGeom prst="rect">
+            <a:avLst/>
+          </a:prstGeom>
+        </p:spPr>
+      </p:pic>
+      <p:pic>
+        <p:nvPicPr>
+          <p:cNvPr id="7" name="그림 6"/>
+          <p:cNvPicPr>
+            <a:picLocks noChangeAspect="1"/>
+          </p:cNvPicPr>
+          <p:nvPr/>
+        </p:nvPicPr>
+        <p:blipFill>
+          <a:blip r:embed="rId3"/>
+          <a:stretch>
+            <a:fillRect/>
+          </a:stretch>
+        </p:blipFill>
+        <p:spPr>
+          <a:xfrm>
+            <a:off x="7930012" y="2407489"/>
+            <a:ext cx="3181350" cy="2962275"/>
+          </a:xfrm>
+          <a:prstGeom prst="rect">
+            <a:avLst/>
+          </a:prstGeom>
+        </p:spPr>
+      </p:pic>
+      <p:sp>
+        <p:nvSpPr>
+          <p:cNvPr id="8" name="오른쪽 화살표 7"/>
+          <p:cNvSpPr/>
+          <p:nvPr/>
+        </p:nvSpPr>
+        <p:spPr>
+          <a:xfrm>
+            <a:off x="7211683" y="3631721"/>
+            <a:ext cx="448574" cy="388188"/>
+          </a:xfrm>
+          <a:prstGeom prst="rightArrow">
+            <a:avLst/>
+          </a:prstGeom>
+          <a:noFill/>
+          <a:ln w="38100">
+            <a:solidFill>
+              <a:srgbClr val="FF0000"/>
+            </a:solidFill>
+          </a:ln>
+        </p:spPr>
+        <p:style>
+          <a:lnRef idx="2">
+            <a:schemeClr val="accent1">
+              <a:shade val="50000"/>
+            </a:schemeClr>
+          </a:lnRef>
+          <a:fillRef idx="1">
+            <a:schemeClr val="accent1"/>
+          </a:fillRef>
+          <a:effectRef idx="0">
+            <a:schemeClr val="accent1"/>
+          </a:effectRef>
+          <a:fontRef idx="minor">
+            <a:schemeClr val="lt1"/>
+          </a:fontRef>
+        </p:style>
+        <p:txBody>
+          <a:bodyPr rtlCol="0" anchor="ctr"/>
+          <a:lstStyle/>
+          <a:p>
+            <a:pPr algn="ctr"/>
+            <a:endParaRPr lang="ko-KR" altLang="en-US"/>
+          </a:p>
+        </p:txBody>
+      </p:sp>
+    </p:spTree>
+    <p:extLst>
+      <p:ext uri="{BB962C8B-B14F-4D97-AF65-F5344CB8AC3E}">
+        <p14:creationId xmlns:p14="http://schemas.microsoft.com/office/powerpoint/2010/main" val="95883178"/>
       </p:ext>
     </p:extLst>
   </p:cSld>
